--- a/Updates/update_pp.pptx
+++ b/Updates/update_pp.pptx
@@ -9,6 +9,8 @@
     <p:sldId id="258" r:id="rId3"/>
     <p:sldId id="259" r:id="rId4"/>
     <p:sldId id="260" r:id="rId5"/>
+    <p:sldId id="261" r:id="rId6"/>
+    <p:sldId id="262" r:id="rId7"/>
   </p:sldIdLst>
   <p:sldSz cx="12192000" cy="6858000"/>
   <p:notesSz cx="6858000" cy="9144000"/>
@@ -498,7 +500,7 @@
           <a:p>
             <a:fld id="{548AD6D6-AC4F-4550-80A4-8327B57A8223}" type="datetimeFigureOut">
               <a:rPr lang="en-GB" smtClean="0"/>
-              <a:t>06/04/2023</a:t>
+              <a:t>19/04/2023</a:t>
             </a:fld>
             <a:endParaRPr lang="en-GB"/>
           </a:p>
@@ -698,7 +700,7 @@
           <a:p>
             <a:fld id="{548AD6D6-AC4F-4550-80A4-8327B57A8223}" type="datetimeFigureOut">
               <a:rPr lang="en-GB" smtClean="0"/>
-              <a:t>06/04/2023</a:t>
+              <a:t>19/04/2023</a:t>
             </a:fld>
             <a:endParaRPr lang="en-GB"/>
           </a:p>
@@ -908,7 +910,7 @@
           <a:p>
             <a:fld id="{548AD6D6-AC4F-4550-80A4-8327B57A8223}" type="datetimeFigureOut">
               <a:rPr lang="en-GB" smtClean="0"/>
-              <a:t>06/04/2023</a:t>
+              <a:t>19/04/2023</a:t>
             </a:fld>
             <a:endParaRPr lang="en-GB"/>
           </a:p>
@@ -1108,7 +1110,7 @@
           <a:p>
             <a:fld id="{548AD6D6-AC4F-4550-80A4-8327B57A8223}" type="datetimeFigureOut">
               <a:rPr lang="en-GB" smtClean="0"/>
-              <a:t>06/04/2023</a:t>
+              <a:t>19/04/2023</a:t>
             </a:fld>
             <a:endParaRPr lang="en-GB"/>
           </a:p>
@@ -1384,7 +1386,7 @@
           <a:p>
             <a:fld id="{548AD6D6-AC4F-4550-80A4-8327B57A8223}" type="datetimeFigureOut">
               <a:rPr lang="en-GB" smtClean="0"/>
-              <a:t>06/04/2023</a:t>
+              <a:t>19/04/2023</a:t>
             </a:fld>
             <a:endParaRPr lang="en-GB"/>
           </a:p>
@@ -1652,7 +1654,7 @@
           <a:p>
             <a:fld id="{548AD6D6-AC4F-4550-80A4-8327B57A8223}" type="datetimeFigureOut">
               <a:rPr lang="en-GB" smtClean="0"/>
-              <a:t>06/04/2023</a:t>
+              <a:t>19/04/2023</a:t>
             </a:fld>
             <a:endParaRPr lang="en-GB"/>
           </a:p>
@@ -2067,7 +2069,7 @@
           <a:p>
             <a:fld id="{548AD6D6-AC4F-4550-80A4-8327B57A8223}" type="datetimeFigureOut">
               <a:rPr lang="en-GB" smtClean="0"/>
-              <a:t>06/04/2023</a:t>
+              <a:t>19/04/2023</a:t>
             </a:fld>
             <a:endParaRPr lang="en-GB"/>
           </a:p>
@@ -2209,7 +2211,7 @@
           <a:p>
             <a:fld id="{548AD6D6-AC4F-4550-80A4-8327B57A8223}" type="datetimeFigureOut">
               <a:rPr lang="en-GB" smtClean="0"/>
-              <a:t>06/04/2023</a:t>
+              <a:t>19/04/2023</a:t>
             </a:fld>
             <a:endParaRPr lang="en-GB"/>
           </a:p>
@@ -2322,7 +2324,7 @@
           <a:p>
             <a:fld id="{548AD6D6-AC4F-4550-80A4-8327B57A8223}" type="datetimeFigureOut">
               <a:rPr lang="en-GB" smtClean="0"/>
-              <a:t>06/04/2023</a:t>
+              <a:t>19/04/2023</a:t>
             </a:fld>
             <a:endParaRPr lang="en-GB"/>
           </a:p>
@@ -2635,7 +2637,7 @@
           <a:p>
             <a:fld id="{548AD6D6-AC4F-4550-80A4-8327B57A8223}" type="datetimeFigureOut">
               <a:rPr lang="en-GB" smtClean="0"/>
-              <a:t>06/04/2023</a:t>
+              <a:t>19/04/2023</a:t>
             </a:fld>
             <a:endParaRPr lang="en-GB"/>
           </a:p>
@@ -2924,7 +2926,7 @@
           <a:p>
             <a:fld id="{548AD6D6-AC4F-4550-80A4-8327B57A8223}" type="datetimeFigureOut">
               <a:rPr lang="en-GB" smtClean="0"/>
-              <a:t>06/04/2023</a:t>
+              <a:t>19/04/2023</a:t>
             </a:fld>
             <a:endParaRPr lang="en-GB"/>
           </a:p>
@@ -3167,7 +3169,7 @@
           <a:p>
             <a:fld id="{548AD6D6-AC4F-4550-80A4-8327B57A8223}" type="datetimeFigureOut">
               <a:rPr lang="en-GB" smtClean="0"/>
-              <a:t>06/04/2023</a:t>
+              <a:t>19/04/2023</a:t>
             </a:fld>
             <a:endParaRPr lang="en-GB"/>
           </a:p>
@@ -4543,6 +4545,492 @@
 </p:sld>
 </file>
 
+<file path=ppt/slides/slide5.xml><?xml version="1.0" encoding="utf-8"?>
+<p:sld xmlns:a="http://schemas.openxmlformats.org/drawingml/2006/main" xmlns:r="http://schemas.openxmlformats.org/officeDocument/2006/relationships" xmlns:p="http://schemas.openxmlformats.org/presentationml/2006/main">
+  <p:cSld>
+    <p:bg>
+      <p:bgPr>
+        <a:solidFill>
+          <a:schemeClr val="bg1"/>
+        </a:solidFill>
+        <a:effectLst/>
+      </p:bgPr>
+    </p:bg>
+    <p:spTree>
+      <p:nvGrpSpPr>
+        <p:cNvPr id="1" name=""/>
+        <p:cNvGrpSpPr/>
+        <p:nvPr/>
+      </p:nvGrpSpPr>
+      <p:grpSpPr>
+        <a:xfrm>
+          <a:off x="0" y="0"/>
+          <a:ext cx="0" cy="0"/>
+          <a:chOff x="0" y="0"/>
+          <a:chExt cx="0" cy="0"/>
+        </a:xfrm>
+      </p:grpSpPr>
+      <p:sp useBgFill="1">
+        <p:nvSpPr>
+          <p:cNvPr id="14" name="Rectangle 13">
+            <a:extLst>
+              <a:ext uri="{FF2B5EF4-FFF2-40B4-BE49-F238E27FC236}">
+                <a16:creationId xmlns:a16="http://schemas.microsoft.com/office/drawing/2014/main" id="{70155189-D96C-4527-B0EC-654B946BE615}"/>
+              </a:ext>
+              <a:ext uri="{C183D7F6-B498-43B3-948B-1728B52AA6E4}">
+                <adec:decorative xmlns:adec="http://schemas.microsoft.com/office/drawing/2017/decorative" val="1"/>
+              </a:ext>
+            </a:extLst>
+          </p:cNvPr>
+          <p:cNvSpPr>
+            <a:spLocks noGrp="1" noRot="1" noChangeAspect="1" noMove="1" noResize="1" noEditPoints="1" noAdjustHandles="1" noChangeArrowheads="1" noChangeShapeType="1" noTextEdit="1"/>
+          </p:cNvSpPr>
+          <p:nvPr>
+            <p:extLst>
+              <p:ext uri="{386F3935-93C4-4BCD-93E2-E3B085C9AB24}">
+                <p16:designElem xmlns:p16="http://schemas.microsoft.com/office/powerpoint/2015/main" val="1"/>
+              </p:ext>
+            </p:extLst>
+          </p:nvPr>
+        </p:nvSpPr>
+        <p:spPr>
+          <a:xfrm>
+            <a:off x="-1" y="0"/>
+            <a:ext cx="12188952" cy="6858000"/>
+          </a:xfrm>
+          <a:prstGeom prst="rect">
+            <a:avLst/>
+          </a:prstGeom>
+          <a:ln>
+            <a:noFill/>
+          </a:ln>
+        </p:spPr>
+        <p:style>
+          <a:lnRef idx="2">
+            <a:schemeClr val="accent1">
+              <a:shade val="50000"/>
+            </a:schemeClr>
+          </a:lnRef>
+          <a:fillRef idx="1">
+            <a:schemeClr val="accent1"/>
+          </a:fillRef>
+          <a:effectRef idx="0">
+            <a:schemeClr val="accent1"/>
+          </a:effectRef>
+          <a:fontRef idx="minor">
+            <a:schemeClr val="lt1"/>
+          </a:fontRef>
+        </p:style>
+        <p:txBody>
+          <a:bodyPr rtlCol="0" anchor="ctr"/>
+          <a:lstStyle/>
+          <a:p>
+            <a:pPr algn="ctr"/>
+            <a:endParaRPr lang="en-US"/>
+          </a:p>
+        </p:txBody>
+      </p:sp>
+      <p:sp>
+        <p:nvSpPr>
+          <p:cNvPr id="2" name="Title 1">
+            <a:extLst>
+              <a:ext uri="{FF2B5EF4-FFF2-40B4-BE49-F238E27FC236}">
+                <a16:creationId xmlns:a16="http://schemas.microsoft.com/office/drawing/2014/main" id="{4322E373-8112-1A2D-0A4E-3EB88F9F87C3}"/>
+              </a:ext>
+            </a:extLst>
+          </p:cNvPr>
+          <p:cNvSpPr>
+            <a:spLocks noGrp="1"/>
+          </p:cNvSpPr>
+          <p:nvPr>
+            <p:ph type="title"/>
+          </p:nvPr>
+        </p:nvSpPr>
+        <p:spPr>
+          <a:xfrm>
+            <a:off x="838200" y="557189"/>
+            <a:ext cx="10515600" cy="2057043"/>
+          </a:xfrm>
+        </p:spPr>
+        <p:txBody>
+          <a:bodyPr vert="horz" lIns="91440" tIns="45720" rIns="91440" bIns="45720" rtlCol="0" anchor="ctr">
+            <a:normAutofit/>
+          </a:bodyPr>
+          <a:lstStyle/>
+          <a:p>
+            <a:r>
+              <a:rPr lang="en-US" sz="5200" kern="1200" dirty="0">
+                <a:solidFill>
+                  <a:schemeClr val="tx1"/>
+                </a:solidFill>
+                <a:latin typeface="+mj-lt"/>
+                <a:ea typeface="+mj-ea"/>
+                <a:cs typeface="+mj-cs"/>
+              </a:rPr>
+              <a:t>10-20 April</a:t>
+            </a:r>
+          </a:p>
+        </p:txBody>
+      </p:sp>
+      <p:pic>
+        <p:nvPicPr>
+          <p:cNvPr id="7" name="Picture 6" descr="A picture containing text, screenshot, diagram, plot&#10;&#10;Description automatically generated">
+            <a:extLst>
+              <a:ext uri="{FF2B5EF4-FFF2-40B4-BE49-F238E27FC236}">
+                <a16:creationId xmlns:a16="http://schemas.microsoft.com/office/drawing/2014/main" id="{7CBFBF57-4F9E-A907-6F76-823A26001662}"/>
+              </a:ext>
+            </a:extLst>
+          </p:cNvPr>
+          <p:cNvPicPr>
+            <a:picLocks noChangeAspect="1"/>
+          </p:cNvPicPr>
+          <p:nvPr/>
+        </p:nvPicPr>
+        <p:blipFill>
+          <a:blip r:embed="rId2">
+            <a:extLst>
+              <a:ext uri="{28A0092B-C50C-407E-A947-70E740481C1C}">
+                <a14:useLocalDpi xmlns:a14="http://schemas.microsoft.com/office/drawing/2010/main" val="0"/>
+              </a:ext>
+            </a:extLst>
+          </a:blip>
+          <a:stretch>
+            <a:fillRect/>
+          </a:stretch>
+        </p:blipFill>
+        <p:spPr>
+          <a:xfrm>
+            <a:off x="194099" y="3076579"/>
+            <a:ext cx="3797536" cy="2933597"/>
+          </a:xfrm>
+          <a:prstGeom prst="rect">
+            <a:avLst/>
+          </a:prstGeom>
+        </p:spPr>
+      </p:pic>
+      <p:pic>
+        <p:nvPicPr>
+          <p:cNvPr id="9" name="Picture 8" descr="A picture containing text, screenshot, diagram, plot&#10;&#10;Description automatically generated">
+            <a:extLst>
+              <a:ext uri="{FF2B5EF4-FFF2-40B4-BE49-F238E27FC236}">
+                <a16:creationId xmlns:a16="http://schemas.microsoft.com/office/drawing/2014/main" id="{0EE910AA-C390-B80F-ADDB-1E5C6C3B50A5}"/>
+              </a:ext>
+            </a:extLst>
+          </p:cNvPr>
+          <p:cNvPicPr>
+            <a:picLocks noChangeAspect="1"/>
+          </p:cNvPicPr>
+          <p:nvPr/>
+        </p:nvPicPr>
+        <p:blipFill>
+          <a:blip r:embed="rId3">
+            <a:extLst>
+              <a:ext uri="{28A0092B-C50C-407E-A947-70E740481C1C}">
+                <a14:useLocalDpi xmlns:a14="http://schemas.microsoft.com/office/drawing/2010/main" val="0"/>
+              </a:ext>
+            </a:extLst>
+          </a:blip>
+          <a:stretch>
+            <a:fillRect/>
+          </a:stretch>
+        </p:blipFill>
+        <p:spPr>
+          <a:xfrm>
+            <a:off x="4193386" y="3076579"/>
+            <a:ext cx="3797536" cy="2933597"/>
+          </a:xfrm>
+          <a:prstGeom prst="rect">
+            <a:avLst/>
+          </a:prstGeom>
+        </p:spPr>
+      </p:pic>
+      <p:pic>
+        <p:nvPicPr>
+          <p:cNvPr id="5" name="Content Placeholder 4" descr="A picture containing text, screenshot, diagram, plot&#10;&#10;Description automatically generated">
+            <a:extLst>
+              <a:ext uri="{FF2B5EF4-FFF2-40B4-BE49-F238E27FC236}">
+                <a16:creationId xmlns:a16="http://schemas.microsoft.com/office/drawing/2014/main" id="{9F5F70BF-E255-14B9-F77C-9679945C096B}"/>
+              </a:ext>
+            </a:extLst>
+          </p:cNvPr>
+          <p:cNvPicPr>
+            <a:picLocks noGrp="1" noChangeAspect="1"/>
+          </p:cNvPicPr>
+          <p:nvPr>
+            <p:ph idx="1"/>
+          </p:nvPr>
+        </p:nvPicPr>
+        <p:blipFill>
+          <a:blip r:embed="rId4">
+            <a:extLst>
+              <a:ext uri="{28A0092B-C50C-407E-A947-70E740481C1C}">
+                <a14:useLocalDpi xmlns:a14="http://schemas.microsoft.com/office/drawing/2010/main" val="0"/>
+              </a:ext>
+            </a:extLst>
+          </a:blip>
+          <a:stretch>
+            <a:fillRect/>
+          </a:stretch>
+        </p:blipFill>
+        <p:spPr>
+          <a:xfrm>
+            <a:off x="8192673" y="3076579"/>
+            <a:ext cx="3797536" cy="2933597"/>
+          </a:xfrm>
+          <a:prstGeom prst="rect">
+            <a:avLst/>
+          </a:prstGeom>
+        </p:spPr>
+      </p:pic>
+      <p:sp>
+        <p:nvSpPr>
+          <p:cNvPr id="10" name="TextBox 9">
+            <a:extLst>
+              <a:ext uri="{FF2B5EF4-FFF2-40B4-BE49-F238E27FC236}">
+                <a16:creationId xmlns:a16="http://schemas.microsoft.com/office/drawing/2014/main" id="{70B6AA86-9B2B-10DE-5B28-1EF66FA47828}"/>
+              </a:ext>
+            </a:extLst>
+          </p:cNvPr>
+          <p:cNvSpPr txBox="1"/>
+          <p:nvPr/>
+        </p:nvSpPr>
+        <p:spPr>
+          <a:xfrm>
+            <a:off x="995134" y="2802089"/>
+            <a:ext cx="2498035" cy="369332"/>
+          </a:xfrm>
+          <a:prstGeom prst="rect">
+            <a:avLst/>
+          </a:prstGeom>
+          <a:noFill/>
+        </p:spPr>
+        <p:txBody>
+          <a:bodyPr wrap="square" rtlCol="0">
+            <a:spAutoFit/>
+          </a:bodyPr>
+          <a:lstStyle/>
+          <a:p>
+            <a:pPr algn="ctr"/>
+            <a:r>
+              <a:rPr lang="nl-NL" dirty="0"/>
+              <a:t>Erica </a:t>
+            </a:r>
+            <a:r>
+              <a:rPr lang="nl-NL" dirty="0" err="1"/>
+              <a:t>reproduction</a:t>
+            </a:r>
+            <a:endParaRPr lang="en-GB" dirty="0"/>
+          </a:p>
+        </p:txBody>
+      </p:sp>
+      <p:sp>
+        <p:nvSpPr>
+          <p:cNvPr id="11" name="TextBox 10">
+            <a:extLst>
+              <a:ext uri="{FF2B5EF4-FFF2-40B4-BE49-F238E27FC236}">
+                <a16:creationId xmlns:a16="http://schemas.microsoft.com/office/drawing/2014/main" id="{487E0263-689A-9432-903F-0C552571F197}"/>
+              </a:ext>
+            </a:extLst>
+          </p:cNvPr>
+          <p:cNvSpPr txBox="1"/>
+          <p:nvPr/>
+        </p:nvSpPr>
+        <p:spPr>
+          <a:xfrm>
+            <a:off x="4939166" y="2746791"/>
+            <a:ext cx="2498035" cy="369332"/>
+          </a:xfrm>
+          <a:prstGeom prst="rect">
+            <a:avLst/>
+          </a:prstGeom>
+          <a:noFill/>
+        </p:spPr>
+        <p:txBody>
+          <a:bodyPr wrap="square" rtlCol="0">
+            <a:spAutoFit/>
+          </a:bodyPr>
+          <a:lstStyle/>
+          <a:p>
+            <a:pPr algn="ctr"/>
+            <a:r>
+              <a:rPr lang="nl-NL" dirty="0"/>
+              <a:t>t-</a:t>
+            </a:r>
+            <a:r>
+              <a:rPr lang="nl-NL" dirty="0" err="1"/>
+              <a:t>sne</a:t>
+            </a:r>
+            <a:endParaRPr lang="nl-NL" dirty="0"/>
+          </a:p>
+        </p:txBody>
+      </p:sp>
+      <p:sp>
+        <p:nvSpPr>
+          <p:cNvPr id="12" name="TextBox 11">
+            <a:extLst>
+              <a:ext uri="{FF2B5EF4-FFF2-40B4-BE49-F238E27FC236}">
+                <a16:creationId xmlns:a16="http://schemas.microsoft.com/office/drawing/2014/main" id="{9A01F4ED-2BA0-91F7-E4A1-6CC9753AA695}"/>
+              </a:ext>
+            </a:extLst>
+          </p:cNvPr>
+          <p:cNvSpPr txBox="1"/>
+          <p:nvPr/>
+        </p:nvSpPr>
+        <p:spPr>
+          <a:xfrm>
+            <a:off x="8990699" y="2802089"/>
+            <a:ext cx="2498035" cy="369332"/>
+          </a:xfrm>
+          <a:prstGeom prst="rect">
+            <a:avLst/>
+          </a:prstGeom>
+          <a:noFill/>
+        </p:spPr>
+        <p:txBody>
+          <a:bodyPr wrap="square" rtlCol="0">
+            <a:spAutoFit/>
+          </a:bodyPr>
+          <a:lstStyle/>
+          <a:p>
+            <a:pPr algn="ctr"/>
+            <a:r>
+              <a:rPr lang="nl-NL" dirty="0"/>
+              <a:t>ANOVA</a:t>
+            </a:r>
+          </a:p>
+        </p:txBody>
+      </p:sp>
+    </p:spTree>
+    <p:extLst>
+      <p:ext uri="{BB962C8B-B14F-4D97-AF65-F5344CB8AC3E}">
+        <p14:creationId xmlns:p14="http://schemas.microsoft.com/office/powerpoint/2010/main" val="1258120028"/>
+      </p:ext>
+    </p:extLst>
+  </p:cSld>
+  <p:clrMapOvr>
+    <a:masterClrMapping/>
+  </p:clrMapOvr>
+</p:sld>
+</file>
+
+<file path=ppt/slides/slide6.xml><?xml version="1.0" encoding="utf-8"?>
+<p:sld xmlns:a="http://schemas.openxmlformats.org/drawingml/2006/main" xmlns:r="http://schemas.openxmlformats.org/officeDocument/2006/relationships" xmlns:p="http://schemas.openxmlformats.org/presentationml/2006/main">
+  <p:cSld>
+    <p:spTree>
+      <p:nvGrpSpPr>
+        <p:cNvPr id="1" name=""/>
+        <p:cNvGrpSpPr/>
+        <p:nvPr/>
+      </p:nvGrpSpPr>
+      <p:grpSpPr>
+        <a:xfrm>
+          <a:off x="0" y="0"/>
+          <a:ext cx="0" cy="0"/>
+          <a:chOff x="0" y="0"/>
+          <a:chExt cx="0" cy="0"/>
+        </a:xfrm>
+      </p:grpSpPr>
+      <p:sp>
+        <p:nvSpPr>
+          <p:cNvPr id="2" name="Title 1">
+            <a:extLst>
+              <a:ext uri="{FF2B5EF4-FFF2-40B4-BE49-F238E27FC236}">
+                <a16:creationId xmlns:a16="http://schemas.microsoft.com/office/drawing/2014/main" id="{1C465B91-DE0E-D107-E284-59E75A0C0319}"/>
+              </a:ext>
+            </a:extLst>
+          </p:cNvPr>
+          <p:cNvSpPr>
+            <a:spLocks noGrp="1"/>
+          </p:cNvSpPr>
+          <p:nvPr>
+            <p:ph type="title"/>
+          </p:nvPr>
+        </p:nvSpPr>
+        <p:spPr/>
+        <p:txBody>
+          <a:bodyPr/>
+          <a:lstStyle/>
+          <a:p>
+            <a:r>
+              <a:rPr lang="nl-NL" dirty="0" err="1"/>
+              <a:t>Revised</a:t>
+            </a:r>
+            <a:r>
+              <a:rPr lang="nl-NL" dirty="0"/>
+              <a:t> planning 20-04-2023</a:t>
+            </a:r>
+            <a:endParaRPr lang="en-GB" dirty="0"/>
+          </a:p>
+        </p:txBody>
+      </p:sp>
+      <p:sp>
+        <p:nvSpPr>
+          <p:cNvPr id="3" name="Content Placeholder 2">
+            <a:extLst>
+              <a:ext uri="{FF2B5EF4-FFF2-40B4-BE49-F238E27FC236}">
+                <a16:creationId xmlns:a16="http://schemas.microsoft.com/office/drawing/2014/main" id="{4A892F4E-FE31-522C-3C00-BB37F964539E}"/>
+              </a:ext>
+            </a:extLst>
+          </p:cNvPr>
+          <p:cNvSpPr>
+            <a:spLocks noGrp="1"/>
+          </p:cNvSpPr>
+          <p:nvPr>
+            <p:ph idx="1"/>
+          </p:nvPr>
+        </p:nvSpPr>
+        <p:spPr/>
+        <p:txBody>
+          <a:bodyPr/>
+          <a:lstStyle/>
+          <a:p>
+            <a:endParaRPr lang="en-GB"/>
+          </a:p>
+        </p:txBody>
+      </p:sp>
+      <p:pic>
+        <p:nvPicPr>
+          <p:cNvPr id="5" name="Picture 4">
+            <a:extLst>
+              <a:ext uri="{FF2B5EF4-FFF2-40B4-BE49-F238E27FC236}">
+                <a16:creationId xmlns:a16="http://schemas.microsoft.com/office/drawing/2014/main" id="{83582D46-D791-716C-BD72-60928BEF4698}"/>
+              </a:ext>
+            </a:extLst>
+          </p:cNvPr>
+          <p:cNvPicPr>
+            <a:picLocks noChangeAspect="1"/>
+          </p:cNvPicPr>
+          <p:nvPr/>
+        </p:nvPicPr>
+        <p:blipFill>
+          <a:blip r:embed="rId2"/>
+          <a:stretch>
+            <a:fillRect/>
+          </a:stretch>
+        </p:blipFill>
+        <p:spPr>
+          <a:xfrm>
+            <a:off x="490330" y="1556268"/>
+            <a:ext cx="11211339" cy="4890052"/>
+          </a:xfrm>
+          <a:prstGeom prst="rect">
+            <a:avLst/>
+          </a:prstGeom>
+        </p:spPr>
+      </p:pic>
+    </p:spTree>
+    <p:extLst>
+      <p:ext uri="{BB962C8B-B14F-4D97-AF65-F5344CB8AC3E}">
+        <p14:creationId xmlns:p14="http://schemas.microsoft.com/office/powerpoint/2010/main" val="2095161673"/>
+      </p:ext>
+    </p:extLst>
+  </p:cSld>
+  <p:clrMapOvr>
+    <a:masterClrMapping/>
+  </p:clrMapOvr>
+</p:sld>
+</file>
+
 <file path=ppt/theme/theme1.xml><?xml version="1.0" encoding="utf-8"?>
 <a:theme xmlns:a="http://schemas.openxmlformats.org/drawingml/2006/main" name="Office Theme">
   <a:themeElements>

--- a/Updates/update_pp.pptx
+++ b/Updates/update_pp.pptx
@@ -11,6 +11,11 @@
     <p:sldId id="260" r:id="rId5"/>
     <p:sldId id="261" r:id="rId6"/>
     <p:sldId id="262" r:id="rId7"/>
+    <p:sldId id="263" r:id="rId8"/>
+    <p:sldId id="264" r:id="rId9"/>
+    <p:sldId id="265" r:id="rId10"/>
+    <p:sldId id="266" r:id="rId11"/>
+    <p:sldId id="267" r:id="rId12"/>
   </p:sldIdLst>
   <p:sldSz cx="12192000" cy="6858000"/>
   <p:notesSz cx="6858000" cy="9144000"/>
@@ -500,7 +505,7 @@
           <a:p>
             <a:fld id="{548AD6D6-AC4F-4550-80A4-8327B57A8223}" type="datetimeFigureOut">
               <a:rPr lang="en-GB" smtClean="0"/>
-              <a:t>19/04/2023</a:t>
+              <a:t>01/05/2023</a:t>
             </a:fld>
             <a:endParaRPr lang="en-GB"/>
           </a:p>
@@ -700,7 +705,7 @@
           <a:p>
             <a:fld id="{548AD6D6-AC4F-4550-80A4-8327B57A8223}" type="datetimeFigureOut">
               <a:rPr lang="en-GB" smtClean="0"/>
-              <a:t>19/04/2023</a:t>
+              <a:t>01/05/2023</a:t>
             </a:fld>
             <a:endParaRPr lang="en-GB"/>
           </a:p>
@@ -910,7 +915,7 @@
           <a:p>
             <a:fld id="{548AD6D6-AC4F-4550-80A4-8327B57A8223}" type="datetimeFigureOut">
               <a:rPr lang="en-GB" smtClean="0"/>
-              <a:t>19/04/2023</a:t>
+              <a:t>01/05/2023</a:t>
             </a:fld>
             <a:endParaRPr lang="en-GB"/>
           </a:p>
@@ -1110,7 +1115,7 @@
           <a:p>
             <a:fld id="{548AD6D6-AC4F-4550-80A4-8327B57A8223}" type="datetimeFigureOut">
               <a:rPr lang="en-GB" smtClean="0"/>
-              <a:t>19/04/2023</a:t>
+              <a:t>01/05/2023</a:t>
             </a:fld>
             <a:endParaRPr lang="en-GB"/>
           </a:p>
@@ -1386,7 +1391,7 @@
           <a:p>
             <a:fld id="{548AD6D6-AC4F-4550-80A4-8327B57A8223}" type="datetimeFigureOut">
               <a:rPr lang="en-GB" smtClean="0"/>
-              <a:t>19/04/2023</a:t>
+              <a:t>01/05/2023</a:t>
             </a:fld>
             <a:endParaRPr lang="en-GB"/>
           </a:p>
@@ -1654,7 +1659,7 @@
           <a:p>
             <a:fld id="{548AD6D6-AC4F-4550-80A4-8327B57A8223}" type="datetimeFigureOut">
               <a:rPr lang="en-GB" smtClean="0"/>
-              <a:t>19/04/2023</a:t>
+              <a:t>01/05/2023</a:t>
             </a:fld>
             <a:endParaRPr lang="en-GB"/>
           </a:p>
@@ -2069,7 +2074,7 @@
           <a:p>
             <a:fld id="{548AD6D6-AC4F-4550-80A4-8327B57A8223}" type="datetimeFigureOut">
               <a:rPr lang="en-GB" smtClean="0"/>
-              <a:t>19/04/2023</a:t>
+              <a:t>01/05/2023</a:t>
             </a:fld>
             <a:endParaRPr lang="en-GB"/>
           </a:p>
@@ -2211,7 +2216,7 @@
           <a:p>
             <a:fld id="{548AD6D6-AC4F-4550-80A4-8327B57A8223}" type="datetimeFigureOut">
               <a:rPr lang="en-GB" smtClean="0"/>
-              <a:t>19/04/2023</a:t>
+              <a:t>01/05/2023</a:t>
             </a:fld>
             <a:endParaRPr lang="en-GB"/>
           </a:p>
@@ -2324,7 +2329,7 @@
           <a:p>
             <a:fld id="{548AD6D6-AC4F-4550-80A4-8327B57A8223}" type="datetimeFigureOut">
               <a:rPr lang="en-GB" smtClean="0"/>
-              <a:t>19/04/2023</a:t>
+              <a:t>01/05/2023</a:t>
             </a:fld>
             <a:endParaRPr lang="en-GB"/>
           </a:p>
@@ -2637,7 +2642,7 @@
           <a:p>
             <a:fld id="{548AD6D6-AC4F-4550-80A4-8327B57A8223}" type="datetimeFigureOut">
               <a:rPr lang="en-GB" smtClean="0"/>
-              <a:t>19/04/2023</a:t>
+              <a:t>01/05/2023</a:t>
             </a:fld>
             <a:endParaRPr lang="en-GB"/>
           </a:p>
@@ -2926,7 +2931,7 @@
           <a:p>
             <a:fld id="{548AD6D6-AC4F-4550-80A4-8327B57A8223}" type="datetimeFigureOut">
               <a:rPr lang="en-GB" smtClean="0"/>
-              <a:t>19/04/2023</a:t>
+              <a:t>01/05/2023</a:t>
             </a:fld>
             <a:endParaRPr lang="en-GB"/>
           </a:p>
@@ -3169,7 +3174,7 @@
           <a:p>
             <a:fld id="{548AD6D6-AC4F-4550-80A4-8327B57A8223}" type="datetimeFigureOut">
               <a:rPr lang="en-GB" smtClean="0"/>
-              <a:t>19/04/2023</a:t>
+              <a:t>01/05/2023</a:t>
             </a:fld>
             <a:endParaRPr lang="en-GB"/>
           </a:p>
@@ -4081,6 +4086,278 @@
 </p:sld>
 </file>
 
+<file path=ppt/slides/slide10.xml><?xml version="1.0" encoding="utf-8"?>
+<p:sld xmlns:a="http://schemas.openxmlformats.org/drawingml/2006/main" xmlns:r="http://schemas.openxmlformats.org/officeDocument/2006/relationships" xmlns:p="http://schemas.openxmlformats.org/presentationml/2006/main">
+  <p:cSld>
+    <p:spTree>
+      <p:nvGrpSpPr>
+        <p:cNvPr id="1" name=""/>
+        <p:cNvGrpSpPr/>
+        <p:nvPr/>
+      </p:nvGrpSpPr>
+      <p:grpSpPr>
+        <a:xfrm>
+          <a:off x="0" y="0"/>
+          <a:ext cx="0" cy="0"/>
+          <a:chOff x="0" y="0"/>
+          <a:chExt cx="0" cy="0"/>
+        </a:xfrm>
+      </p:grpSpPr>
+      <p:sp>
+        <p:nvSpPr>
+          <p:cNvPr id="2" name="Title 1">
+            <a:extLst>
+              <a:ext uri="{FF2B5EF4-FFF2-40B4-BE49-F238E27FC236}">
+                <a16:creationId xmlns:a16="http://schemas.microsoft.com/office/drawing/2014/main" id="{470E1516-22AD-8F46-2834-B57C825E8F26}"/>
+              </a:ext>
+            </a:extLst>
+          </p:cNvPr>
+          <p:cNvSpPr>
+            <a:spLocks noGrp="1"/>
+          </p:cNvSpPr>
+          <p:nvPr>
+            <p:ph type="title"/>
+          </p:nvPr>
+        </p:nvSpPr>
+        <p:spPr/>
+        <p:txBody>
+          <a:bodyPr/>
+          <a:lstStyle/>
+          <a:p>
+            <a:r>
+              <a:rPr lang="nl-NL" dirty="0"/>
+              <a:t>24 April – 4 May</a:t>
+            </a:r>
+            <a:endParaRPr lang="en-GB" dirty="0"/>
+          </a:p>
+        </p:txBody>
+      </p:sp>
+      <p:pic>
+        <p:nvPicPr>
+          <p:cNvPr id="5" name="Content Placeholder 4" descr="A graph with blue and orange bars&#10;&#10;Description automatically generated with low confidence">
+            <a:extLst>
+              <a:ext uri="{FF2B5EF4-FFF2-40B4-BE49-F238E27FC236}">
+                <a16:creationId xmlns:a16="http://schemas.microsoft.com/office/drawing/2014/main" id="{00315592-BEEB-B94C-DF7D-520FC8F5E8AC}"/>
+              </a:ext>
+            </a:extLst>
+          </p:cNvPr>
+          <p:cNvPicPr>
+            <a:picLocks noGrp="1" noChangeAspect="1"/>
+          </p:cNvPicPr>
+          <p:nvPr>
+            <p:ph idx="1"/>
+          </p:nvPr>
+        </p:nvPicPr>
+        <p:blipFill>
+          <a:blip r:embed="rId2">
+            <a:extLst>
+              <a:ext uri="{28A0092B-C50C-407E-A947-70E740481C1C}">
+                <a14:useLocalDpi xmlns:a14="http://schemas.microsoft.com/office/drawing/2010/main" val="0"/>
+              </a:ext>
+            </a:extLst>
+          </a:blip>
+          <a:stretch>
+            <a:fillRect/>
+          </a:stretch>
+        </p:blipFill>
+        <p:spPr>
+          <a:xfrm>
+            <a:off x="394252" y="1456932"/>
+            <a:ext cx="5348965" cy="4983625"/>
+          </a:xfrm>
+        </p:spPr>
+      </p:pic>
+      <p:pic>
+        <p:nvPicPr>
+          <p:cNvPr id="7" name="Picture 6">
+            <a:extLst>
+              <a:ext uri="{FF2B5EF4-FFF2-40B4-BE49-F238E27FC236}">
+                <a16:creationId xmlns:a16="http://schemas.microsoft.com/office/drawing/2014/main" id="{766E2A79-7FF0-2BBF-5054-C295B1B3C300}"/>
+              </a:ext>
+            </a:extLst>
+          </p:cNvPr>
+          <p:cNvPicPr>
+            <a:picLocks noChangeAspect="1"/>
+          </p:cNvPicPr>
+          <p:nvPr/>
+        </p:nvPicPr>
+        <p:blipFill>
+          <a:blip r:embed="rId3"/>
+          <a:stretch>
+            <a:fillRect/>
+          </a:stretch>
+        </p:blipFill>
+        <p:spPr>
+          <a:xfrm>
+            <a:off x="10400249" y="238826"/>
+            <a:ext cx="1529439" cy="5718313"/>
+          </a:xfrm>
+          <a:prstGeom prst="rect">
+            <a:avLst/>
+          </a:prstGeom>
+        </p:spPr>
+      </p:pic>
+      <p:pic>
+        <p:nvPicPr>
+          <p:cNvPr id="11" name="Picture 10">
+            <a:extLst>
+              <a:ext uri="{FF2B5EF4-FFF2-40B4-BE49-F238E27FC236}">
+                <a16:creationId xmlns:a16="http://schemas.microsoft.com/office/drawing/2014/main" id="{8B390449-D0C9-4F47-6971-43BC02ABABE6}"/>
+              </a:ext>
+            </a:extLst>
+          </p:cNvPr>
+          <p:cNvPicPr>
+            <a:picLocks noChangeAspect="1"/>
+          </p:cNvPicPr>
+          <p:nvPr/>
+        </p:nvPicPr>
+        <p:blipFill>
+          <a:blip r:embed="rId4"/>
+          <a:stretch>
+            <a:fillRect/>
+          </a:stretch>
+        </p:blipFill>
+        <p:spPr>
+          <a:xfrm>
+            <a:off x="5996609" y="1292086"/>
+            <a:ext cx="4051116" cy="3817399"/>
+          </a:xfrm>
+          <a:prstGeom prst="rect">
+            <a:avLst/>
+          </a:prstGeom>
+        </p:spPr>
+      </p:pic>
+    </p:spTree>
+    <p:extLst>
+      <p:ext uri="{BB962C8B-B14F-4D97-AF65-F5344CB8AC3E}">
+        <p14:creationId xmlns:p14="http://schemas.microsoft.com/office/powerpoint/2010/main" val="3114270837"/>
+      </p:ext>
+    </p:extLst>
+  </p:cSld>
+  <p:clrMapOvr>
+    <a:masterClrMapping/>
+  </p:clrMapOvr>
+</p:sld>
+</file>
+
+<file path=ppt/slides/slide11.xml><?xml version="1.0" encoding="utf-8"?>
+<p:sld xmlns:a="http://schemas.openxmlformats.org/drawingml/2006/main" xmlns:r="http://schemas.openxmlformats.org/officeDocument/2006/relationships" xmlns:p="http://schemas.openxmlformats.org/presentationml/2006/main">
+  <p:cSld>
+    <p:spTree>
+      <p:nvGrpSpPr>
+        <p:cNvPr id="1" name=""/>
+        <p:cNvGrpSpPr/>
+        <p:nvPr/>
+      </p:nvGrpSpPr>
+      <p:grpSpPr>
+        <a:xfrm>
+          <a:off x="0" y="0"/>
+          <a:ext cx="0" cy="0"/>
+          <a:chOff x="0" y="0"/>
+          <a:chExt cx="0" cy="0"/>
+        </a:xfrm>
+      </p:grpSpPr>
+      <p:sp>
+        <p:nvSpPr>
+          <p:cNvPr id="2" name="Title 1">
+            <a:extLst>
+              <a:ext uri="{FF2B5EF4-FFF2-40B4-BE49-F238E27FC236}">
+                <a16:creationId xmlns:a16="http://schemas.microsoft.com/office/drawing/2014/main" id="{6EB68ABC-8C4C-E9C2-6F82-F446424CD35E}"/>
+              </a:ext>
+            </a:extLst>
+          </p:cNvPr>
+          <p:cNvSpPr>
+            <a:spLocks noGrp="1"/>
+          </p:cNvSpPr>
+          <p:nvPr>
+            <p:ph type="title"/>
+          </p:nvPr>
+        </p:nvSpPr>
+        <p:spPr/>
+        <p:txBody>
+          <a:bodyPr/>
+          <a:lstStyle/>
+          <a:p>
+            <a:r>
+              <a:rPr lang="nl-NL" dirty="0" err="1"/>
+              <a:t>Revised</a:t>
+            </a:r>
+            <a:r>
+              <a:rPr lang="nl-NL" dirty="0"/>
+              <a:t> planning 01-05-2023</a:t>
+            </a:r>
+            <a:endParaRPr lang="en-GB" dirty="0"/>
+          </a:p>
+        </p:txBody>
+      </p:sp>
+      <p:sp>
+        <p:nvSpPr>
+          <p:cNvPr id="3" name="Content Placeholder 2">
+            <a:extLst>
+              <a:ext uri="{FF2B5EF4-FFF2-40B4-BE49-F238E27FC236}">
+                <a16:creationId xmlns:a16="http://schemas.microsoft.com/office/drawing/2014/main" id="{1C0300B2-4143-E82B-7F00-92CEFAA96A32}"/>
+              </a:ext>
+            </a:extLst>
+          </p:cNvPr>
+          <p:cNvSpPr>
+            <a:spLocks noGrp="1"/>
+          </p:cNvSpPr>
+          <p:nvPr>
+            <p:ph idx="1"/>
+          </p:nvPr>
+        </p:nvSpPr>
+        <p:spPr/>
+        <p:txBody>
+          <a:bodyPr/>
+          <a:lstStyle/>
+          <a:p>
+            <a:endParaRPr lang="en-GB"/>
+          </a:p>
+        </p:txBody>
+      </p:sp>
+      <p:pic>
+        <p:nvPicPr>
+          <p:cNvPr id="5" name="Picture 4">
+            <a:extLst>
+              <a:ext uri="{FF2B5EF4-FFF2-40B4-BE49-F238E27FC236}">
+                <a16:creationId xmlns:a16="http://schemas.microsoft.com/office/drawing/2014/main" id="{6379DA58-67D5-5476-83C2-456DAE56E5B3}"/>
+              </a:ext>
+            </a:extLst>
+          </p:cNvPr>
+          <p:cNvPicPr>
+            <a:picLocks noChangeAspect="1"/>
+          </p:cNvPicPr>
+          <p:nvPr/>
+        </p:nvPicPr>
+        <p:blipFill>
+          <a:blip r:embed="rId2"/>
+          <a:stretch>
+            <a:fillRect/>
+          </a:stretch>
+        </p:blipFill>
+        <p:spPr>
+          <a:xfrm>
+            <a:off x="165652" y="1557131"/>
+            <a:ext cx="12074307" cy="4476485"/>
+          </a:xfrm>
+          <a:prstGeom prst="rect">
+            <a:avLst/>
+          </a:prstGeom>
+        </p:spPr>
+      </p:pic>
+    </p:spTree>
+    <p:extLst>
+      <p:ext uri="{BB962C8B-B14F-4D97-AF65-F5344CB8AC3E}">
+        <p14:creationId xmlns:p14="http://schemas.microsoft.com/office/powerpoint/2010/main" val="3195824930"/>
+      </p:ext>
+    </p:extLst>
+  </p:cSld>
+  <p:clrMapOvr>
+    <a:masterClrMapping/>
+  </p:clrMapOvr>
+</p:sld>
+</file>
+
 <file path=ppt/slides/slide2.xml><?xml version="1.0" encoding="utf-8"?>
 <p:sld xmlns:a="http://schemas.openxmlformats.org/drawingml/2006/main" xmlns:r="http://schemas.openxmlformats.org/officeDocument/2006/relationships" xmlns:p="http://schemas.openxmlformats.org/presentationml/2006/main">
   <p:cSld>
@@ -5022,6 +5299,1327 @@
     <p:extLst>
       <p:ext uri="{BB962C8B-B14F-4D97-AF65-F5344CB8AC3E}">
         <p14:creationId xmlns:p14="http://schemas.microsoft.com/office/powerpoint/2010/main" val="2095161673"/>
+      </p:ext>
+    </p:extLst>
+  </p:cSld>
+  <p:clrMapOvr>
+    <a:masterClrMapping/>
+  </p:clrMapOvr>
+</p:sld>
+</file>
+
+<file path=ppt/slides/slide7.xml><?xml version="1.0" encoding="utf-8"?>
+<p:sld xmlns:a="http://schemas.openxmlformats.org/drawingml/2006/main" xmlns:r="http://schemas.openxmlformats.org/officeDocument/2006/relationships" xmlns:p="http://schemas.openxmlformats.org/presentationml/2006/main">
+  <p:cSld>
+    <p:spTree>
+      <p:nvGrpSpPr>
+        <p:cNvPr id="1" name=""/>
+        <p:cNvGrpSpPr/>
+        <p:nvPr/>
+      </p:nvGrpSpPr>
+      <p:grpSpPr>
+        <a:xfrm>
+          <a:off x="0" y="0"/>
+          <a:ext cx="0" cy="0"/>
+          <a:chOff x="0" y="0"/>
+          <a:chExt cx="0" cy="0"/>
+        </a:xfrm>
+      </p:grpSpPr>
+      <p:sp>
+        <p:nvSpPr>
+          <p:cNvPr id="2" name="Title 1">
+            <a:extLst>
+              <a:ext uri="{FF2B5EF4-FFF2-40B4-BE49-F238E27FC236}">
+                <a16:creationId xmlns:a16="http://schemas.microsoft.com/office/drawing/2014/main" id="{759CC802-FFAB-29CB-574F-91393ADCAD6B}"/>
+              </a:ext>
+            </a:extLst>
+          </p:cNvPr>
+          <p:cNvSpPr>
+            <a:spLocks noGrp="1"/>
+          </p:cNvSpPr>
+          <p:nvPr>
+            <p:ph type="title"/>
+          </p:nvPr>
+        </p:nvSpPr>
+        <p:spPr/>
+        <p:txBody>
+          <a:bodyPr/>
+          <a:lstStyle/>
+          <a:p>
+            <a:r>
+              <a:rPr lang="nl-NL" dirty="0"/>
+              <a:t>24 April – 4 May</a:t>
+            </a:r>
+            <a:endParaRPr lang="en-GB" dirty="0"/>
+          </a:p>
+        </p:txBody>
+      </p:sp>
+      <p:sp>
+        <p:nvSpPr>
+          <p:cNvPr id="3" name="Content Placeholder 2">
+            <a:extLst>
+              <a:ext uri="{FF2B5EF4-FFF2-40B4-BE49-F238E27FC236}">
+                <a16:creationId xmlns:a16="http://schemas.microsoft.com/office/drawing/2014/main" id="{0309DFA5-5011-6D3A-83E2-518C4F060B9B}"/>
+              </a:ext>
+            </a:extLst>
+          </p:cNvPr>
+          <p:cNvSpPr>
+            <a:spLocks noGrp="1"/>
+          </p:cNvSpPr>
+          <p:nvPr>
+            <p:ph idx="1"/>
+          </p:nvPr>
+        </p:nvSpPr>
+        <p:spPr/>
+        <p:txBody>
+          <a:bodyPr/>
+          <a:lstStyle/>
+          <a:p>
+            <a:r>
+              <a:rPr lang="nl-NL" dirty="0"/>
+              <a:t>3D </a:t>
+            </a:r>
+            <a:r>
+              <a:rPr lang="nl-NL" dirty="0" err="1"/>
+              <a:t>to</a:t>
+            </a:r>
+            <a:r>
+              <a:rPr lang="nl-NL" dirty="0"/>
+              <a:t> 2D </a:t>
+            </a:r>
+          </a:p>
+          <a:p>
+            <a:pPr marL="914400" lvl="1" indent="-457200">
+              <a:buFont typeface="+mj-lt"/>
+              <a:buAutoNum type="arabicPeriod"/>
+            </a:pPr>
+            <a:r>
+              <a:rPr lang="nl-NL" dirty="0"/>
+              <a:t>MIP</a:t>
+            </a:r>
+          </a:p>
+          <a:p>
+            <a:pPr marL="914400" lvl="1" indent="-457200">
+              <a:buFont typeface="+mj-lt"/>
+              <a:buAutoNum type="arabicPeriod"/>
+            </a:pPr>
+            <a:r>
+              <a:rPr lang="nl-NL" dirty="0"/>
+              <a:t>AIP</a:t>
+            </a:r>
+          </a:p>
+          <a:p>
+            <a:pPr marL="914400" lvl="1" indent="-457200">
+              <a:buFont typeface="+mj-lt"/>
+              <a:buAutoNum type="arabicPeriod"/>
+            </a:pPr>
+            <a:r>
+              <a:rPr lang="nl-NL" dirty="0"/>
+              <a:t>SLICE</a:t>
+            </a:r>
+          </a:p>
+          <a:p>
+            <a:pPr marL="914400" lvl="1" indent="-457200">
+              <a:buFont typeface="+mj-lt"/>
+              <a:buAutoNum type="arabicPeriod"/>
+            </a:pPr>
+            <a:r>
+              <a:rPr lang="nl-NL" dirty="0"/>
+              <a:t>TUMOR_MIP</a:t>
+            </a:r>
+          </a:p>
+          <a:p>
+            <a:pPr marL="914400" lvl="1" indent="-457200">
+              <a:buFont typeface="+mj-lt"/>
+              <a:buAutoNum type="arabicPeriod"/>
+            </a:pPr>
+            <a:r>
+              <a:rPr lang="nl-NL" dirty="0"/>
+              <a:t>MINIP</a:t>
+            </a:r>
+          </a:p>
+        </p:txBody>
+      </p:sp>
+      <p:pic>
+        <p:nvPicPr>
+          <p:cNvPr id="5" name="Picture 4" descr="A close-up of a x-ray&#10;&#10;Description automatically generated with low confidence">
+            <a:extLst>
+              <a:ext uri="{FF2B5EF4-FFF2-40B4-BE49-F238E27FC236}">
+                <a16:creationId xmlns:a16="http://schemas.microsoft.com/office/drawing/2014/main" id="{F792ED48-C239-65DE-4F56-2C944DCC5793}"/>
+              </a:ext>
+            </a:extLst>
+          </p:cNvPr>
+          <p:cNvPicPr>
+            <a:picLocks noChangeAspect="1"/>
+          </p:cNvPicPr>
+          <p:nvPr/>
+        </p:nvPicPr>
+        <p:blipFill>
+          <a:blip r:embed="rId2">
+            <a:extLst>
+              <a:ext uri="{28A0092B-C50C-407E-A947-70E740481C1C}">
+                <a14:useLocalDpi xmlns:a14="http://schemas.microsoft.com/office/drawing/2010/main" val="0"/>
+              </a:ext>
+            </a:extLst>
+          </a:blip>
+          <a:stretch>
+            <a:fillRect/>
+          </a:stretch>
+        </p:blipFill>
+        <p:spPr>
+          <a:xfrm>
+            <a:off x="6612835" y="1651129"/>
+            <a:ext cx="2490372" cy="2420873"/>
+          </a:xfrm>
+          <a:prstGeom prst="rect">
+            <a:avLst/>
+          </a:prstGeom>
+        </p:spPr>
+      </p:pic>
+      <p:pic>
+        <p:nvPicPr>
+          <p:cNvPr id="7" name="Picture 6" descr="A close-up of an x-ray&#10;&#10;Description automatically generated with medium confidence">
+            <a:extLst>
+              <a:ext uri="{FF2B5EF4-FFF2-40B4-BE49-F238E27FC236}">
+                <a16:creationId xmlns:a16="http://schemas.microsoft.com/office/drawing/2014/main" id="{A6DED5C8-F716-AD63-CAF5-FE028DEF6D30}"/>
+              </a:ext>
+            </a:extLst>
+          </p:cNvPr>
+          <p:cNvPicPr>
+            <a:picLocks noChangeAspect="1"/>
+          </p:cNvPicPr>
+          <p:nvPr/>
+        </p:nvPicPr>
+        <p:blipFill>
+          <a:blip r:embed="rId3">
+            <a:extLst>
+              <a:ext uri="{28A0092B-C50C-407E-A947-70E740481C1C}">
+                <a14:useLocalDpi xmlns:a14="http://schemas.microsoft.com/office/drawing/2010/main" val="0"/>
+              </a:ext>
+            </a:extLst>
+          </a:blip>
+          <a:stretch>
+            <a:fillRect/>
+          </a:stretch>
+        </p:blipFill>
+        <p:spPr>
+          <a:xfrm>
+            <a:off x="4122462" y="1651130"/>
+            <a:ext cx="2490373" cy="2420874"/>
+          </a:xfrm>
+          <a:prstGeom prst="rect">
+            <a:avLst/>
+          </a:prstGeom>
+        </p:spPr>
+      </p:pic>
+      <p:pic>
+        <p:nvPicPr>
+          <p:cNvPr id="9" name="Picture 8" descr="A close-up of an x-ray&#10;&#10;Description automatically generated with medium confidence">
+            <a:extLst>
+              <a:ext uri="{FF2B5EF4-FFF2-40B4-BE49-F238E27FC236}">
+                <a16:creationId xmlns:a16="http://schemas.microsoft.com/office/drawing/2014/main" id="{D7D162A0-7C99-F922-D710-9197BA6F2A35}"/>
+              </a:ext>
+            </a:extLst>
+          </p:cNvPr>
+          <p:cNvPicPr>
+            <a:picLocks noChangeAspect="1"/>
+          </p:cNvPicPr>
+          <p:nvPr/>
+        </p:nvPicPr>
+        <p:blipFill>
+          <a:blip r:embed="rId4">
+            <a:extLst>
+              <a:ext uri="{28A0092B-C50C-407E-A947-70E740481C1C}">
+                <a14:useLocalDpi xmlns:a14="http://schemas.microsoft.com/office/drawing/2010/main" val="0"/>
+              </a:ext>
+            </a:extLst>
+          </a:blip>
+          <a:stretch>
+            <a:fillRect/>
+          </a:stretch>
+        </p:blipFill>
+        <p:spPr>
+          <a:xfrm>
+            <a:off x="4122463" y="4072002"/>
+            <a:ext cx="2490372" cy="2420873"/>
+          </a:xfrm>
+          <a:prstGeom prst="rect">
+            <a:avLst/>
+          </a:prstGeom>
+        </p:spPr>
+      </p:pic>
+      <p:pic>
+        <p:nvPicPr>
+          <p:cNvPr id="11" name="Picture 10" descr="A picture containing text, screenshot&#10;&#10;Description automatically generated">
+            <a:extLst>
+              <a:ext uri="{FF2B5EF4-FFF2-40B4-BE49-F238E27FC236}">
+                <a16:creationId xmlns:a16="http://schemas.microsoft.com/office/drawing/2014/main" id="{81279BC7-A868-3AD5-624D-D842B9A0ABE2}"/>
+              </a:ext>
+            </a:extLst>
+          </p:cNvPr>
+          <p:cNvPicPr>
+            <a:picLocks noChangeAspect="1"/>
+          </p:cNvPicPr>
+          <p:nvPr/>
+        </p:nvPicPr>
+        <p:blipFill>
+          <a:blip r:embed="rId5">
+            <a:extLst>
+              <a:ext uri="{28A0092B-C50C-407E-A947-70E740481C1C}">
+                <a14:useLocalDpi xmlns:a14="http://schemas.microsoft.com/office/drawing/2010/main" val="0"/>
+              </a:ext>
+            </a:extLst>
+          </a:blip>
+          <a:stretch>
+            <a:fillRect/>
+          </a:stretch>
+        </p:blipFill>
+        <p:spPr>
+          <a:xfrm>
+            <a:off x="6612835" y="4072002"/>
+            <a:ext cx="2490372" cy="2420873"/>
+          </a:xfrm>
+          <a:prstGeom prst="rect">
+            <a:avLst/>
+          </a:prstGeom>
+        </p:spPr>
+      </p:pic>
+      <p:pic>
+        <p:nvPicPr>
+          <p:cNvPr id="13" name="Picture 12" descr="A close-up of a chest x-ray&#10;&#10;Description automatically generated with low confidence">
+            <a:extLst>
+              <a:ext uri="{FF2B5EF4-FFF2-40B4-BE49-F238E27FC236}">
+                <a16:creationId xmlns:a16="http://schemas.microsoft.com/office/drawing/2014/main" id="{A58DFD57-657D-647B-6283-636A1AB5ECA1}"/>
+              </a:ext>
+            </a:extLst>
+          </p:cNvPr>
+          <p:cNvPicPr>
+            <a:picLocks noChangeAspect="1"/>
+          </p:cNvPicPr>
+          <p:nvPr/>
+        </p:nvPicPr>
+        <p:blipFill>
+          <a:blip r:embed="rId6">
+            <a:extLst>
+              <a:ext uri="{28A0092B-C50C-407E-A947-70E740481C1C}">
+                <a14:useLocalDpi xmlns:a14="http://schemas.microsoft.com/office/drawing/2010/main" val="0"/>
+              </a:ext>
+            </a:extLst>
+          </a:blip>
+          <a:stretch>
+            <a:fillRect/>
+          </a:stretch>
+        </p:blipFill>
+        <p:spPr>
+          <a:xfrm>
+            <a:off x="9103207" y="1651129"/>
+            <a:ext cx="2490372" cy="2420873"/>
+          </a:xfrm>
+          <a:prstGeom prst="rect">
+            <a:avLst/>
+          </a:prstGeom>
+        </p:spPr>
+      </p:pic>
+    </p:spTree>
+    <p:extLst>
+      <p:ext uri="{BB962C8B-B14F-4D97-AF65-F5344CB8AC3E}">
+        <p14:creationId xmlns:p14="http://schemas.microsoft.com/office/powerpoint/2010/main" val="3098720171"/>
+      </p:ext>
+    </p:extLst>
+  </p:cSld>
+  <p:clrMapOvr>
+    <a:masterClrMapping/>
+  </p:clrMapOvr>
+</p:sld>
+</file>
+
+<file path=ppt/slides/slide8.xml><?xml version="1.0" encoding="utf-8"?>
+<p:sld xmlns:a="http://schemas.openxmlformats.org/drawingml/2006/main" xmlns:r="http://schemas.openxmlformats.org/officeDocument/2006/relationships" xmlns:p="http://schemas.openxmlformats.org/presentationml/2006/main">
+  <p:cSld>
+    <p:spTree>
+      <p:nvGrpSpPr>
+        <p:cNvPr id="1" name=""/>
+        <p:cNvGrpSpPr/>
+        <p:nvPr/>
+      </p:nvGrpSpPr>
+      <p:grpSpPr>
+        <a:xfrm>
+          <a:off x="0" y="0"/>
+          <a:ext cx="0" cy="0"/>
+          <a:chOff x="0" y="0"/>
+          <a:chExt cx="0" cy="0"/>
+        </a:xfrm>
+      </p:grpSpPr>
+      <p:sp>
+        <p:nvSpPr>
+          <p:cNvPr id="2" name="Title 1">
+            <a:extLst>
+              <a:ext uri="{FF2B5EF4-FFF2-40B4-BE49-F238E27FC236}">
+                <a16:creationId xmlns:a16="http://schemas.microsoft.com/office/drawing/2014/main" id="{D604BDFF-44D3-B18C-BD81-92F29CD3BF5D}"/>
+              </a:ext>
+            </a:extLst>
+          </p:cNvPr>
+          <p:cNvSpPr>
+            <a:spLocks noGrp="1"/>
+          </p:cNvSpPr>
+          <p:nvPr>
+            <p:ph type="title"/>
+          </p:nvPr>
+        </p:nvSpPr>
+        <p:spPr/>
+        <p:txBody>
+          <a:bodyPr/>
+          <a:lstStyle/>
+          <a:p>
+            <a:r>
+              <a:rPr lang="nl-NL" dirty="0"/>
+              <a:t>24 April – 4 May</a:t>
+            </a:r>
+            <a:endParaRPr lang="en-GB" dirty="0"/>
+          </a:p>
+        </p:txBody>
+      </p:sp>
+      <p:sp>
+        <p:nvSpPr>
+          <p:cNvPr id="3" name="Content Placeholder 2">
+            <a:extLst>
+              <a:ext uri="{FF2B5EF4-FFF2-40B4-BE49-F238E27FC236}">
+                <a16:creationId xmlns:a16="http://schemas.microsoft.com/office/drawing/2014/main" id="{F097C37E-2CA7-F90F-B199-7D3FC04E458A}"/>
+              </a:ext>
+            </a:extLst>
+          </p:cNvPr>
+          <p:cNvSpPr>
+            <a:spLocks noGrp="1"/>
+          </p:cNvSpPr>
+          <p:nvPr>
+            <p:ph idx="1"/>
+          </p:nvPr>
+        </p:nvSpPr>
+        <p:spPr/>
+        <p:txBody>
+          <a:bodyPr/>
+          <a:lstStyle/>
+          <a:p>
+            <a:r>
+              <a:rPr lang="nl-NL" dirty="0"/>
+              <a:t>125 </a:t>
+            </a:r>
+            <a:r>
+              <a:rPr lang="nl-NL" dirty="0" err="1"/>
+              <a:t>combinations</a:t>
+            </a:r>
+            <a:endParaRPr lang="nl-NL" dirty="0"/>
+          </a:p>
+          <a:p>
+            <a:r>
+              <a:rPr lang="nl-NL" dirty="0"/>
+              <a:t>7 feature </a:t>
+            </a:r>
+            <a:r>
+              <a:rPr lang="nl-NL" dirty="0" err="1"/>
+              <a:t>extractor</a:t>
+            </a:r>
+            <a:r>
+              <a:rPr lang="en-GB" dirty="0"/>
+              <a:t>s</a:t>
+            </a:r>
+          </a:p>
+          <a:p>
+            <a:r>
+              <a:rPr lang="en-GB" dirty="0"/>
+              <a:t>Performance metric (SVM AUC max out of 100)</a:t>
+            </a:r>
+          </a:p>
+          <a:p>
+            <a:endParaRPr lang="en-GB" dirty="0"/>
+          </a:p>
+          <a:p>
+            <a:pPr marL="0" indent="0">
+              <a:buNone/>
+            </a:pPr>
+            <a:endParaRPr lang="nl-NL" dirty="0"/>
+          </a:p>
+        </p:txBody>
+      </p:sp>
+    </p:spTree>
+    <p:extLst>
+      <p:ext uri="{BB962C8B-B14F-4D97-AF65-F5344CB8AC3E}">
+        <p14:creationId xmlns:p14="http://schemas.microsoft.com/office/powerpoint/2010/main" val="652849046"/>
+      </p:ext>
+    </p:extLst>
+  </p:cSld>
+  <p:clrMapOvr>
+    <a:masterClrMapping/>
+  </p:clrMapOvr>
+</p:sld>
+</file>
+
+<file path=ppt/slides/slide9.xml><?xml version="1.0" encoding="utf-8"?>
+<p:sld xmlns:a="http://schemas.openxmlformats.org/drawingml/2006/main" xmlns:r="http://schemas.openxmlformats.org/officeDocument/2006/relationships" xmlns:p="http://schemas.openxmlformats.org/presentationml/2006/main">
+  <p:cSld>
+    <p:spTree>
+      <p:nvGrpSpPr>
+        <p:cNvPr id="1" name=""/>
+        <p:cNvGrpSpPr/>
+        <p:nvPr/>
+      </p:nvGrpSpPr>
+      <p:grpSpPr>
+        <a:xfrm>
+          <a:off x="0" y="0"/>
+          <a:ext cx="0" cy="0"/>
+          <a:chOff x="0" y="0"/>
+          <a:chExt cx="0" cy="0"/>
+        </a:xfrm>
+      </p:grpSpPr>
+      <p:sp>
+        <p:nvSpPr>
+          <p:cNvPr id="2" name="Title 1">
+            <a:extLst>
+              <a:ext uri="{FF2B5EF4-FFF2-40B4-BE49-F238E27FC236}">
+                <a16:creationId xmlns:a16="http://schemas.microsoft.com/office/drawing/2014/main" id="{DF28219F-41EA-6C9A-9BD6-B30A371DC9D8}"/>
+              </a:ext>
+            </a:extLst>
+          </p:cNvPr>
+          <p:cNvSpPr>
+            <a:spLocks noGrp="1"/>
+          </p:cNvSpPr>
+          <p:nvPr>
+            <p:ph type="title"/>
+          </p:nvPr>
+        </p:nvSpPr>
+        <p:spPr/>
+        <p:txBody>
+          <a:bodyPr/>
+          <a:lstStyle/>
+          <a:p>
+            <a:r>
+              <a:rPr lang="nl-NL" dirty="0"/>
+              <a:t>24 April – 4 May</a:t>
+            </a:r>
+            <a:endParaRPr lang="en-GB" dirty="0"/>
+          </a:p>
+        </p:txBody>
+      </p:sp>
+      <p:sp>
+        <p:nvSpPr>
+          <p:cNvPr id="3" name="Content Placeholder 2">
+            <a:extLst>
+              <a:ext uri="{FF2B5EF4-FFF2-40B4-BE49-F238E27FC236}">
+                <a16:creationId xmlns:a16="http://schemas.microsoft.com/office/drawing/2014/main" id="{5B4B286E-A334-54E0-3671-8398E651106B}"/>
+              </a:ext>
+            </a:extLst>
+          </p:cNvPr>
+          <p:cNvSpPr>
+            <a:spLocks noGrp="1"/>
+          </p:cNvSpPr>
+          <p:nvPr>
+            <p:ph idx="1"/>
+          </p:nvPr>
+        </p:nvSpPr>
+        <p:spPr>
+          <a:xfrm>
+            <a:off x="838200" y="1825625"/>
+            <a:ext cx="5377070" cy="4351338"/>
+          </a:xfrm>
+        </p:spPr>
+        <p:txBody>
+          <a:bodyPr/>
+          <a:lstStyle/>
+          <a:p>
+            <a:r>
+              <a:rPr lang="nl-NL" dirty="0"/>
+              <a:t>Baselines</a:t>
+            </a:r>
+          </a:p>
+          <a:p>
+            <a:pPr marL="0" indent="0">
+              <a:buNone/>
+            </a:pPr>
+            <a:r>
+              <a:rPr lang="nl-NL" dirty="0"/>
+              <a:t>WBL = Worst Baseline</a:t>
+            </a:r>
+          </a:p>
+          <a:p>
+            <a:pPr marL="0" indent="0">
+              <a:buNone/>
+            </a:pPr>
+            <a:r>
+              <a:rPr lang="nl-NL" dirty="0"/>
+              <a:t>BBL = Best Baseline</a:t>
+            </a:r>
+          </a:p>
+          <a:p>
+            <a:pPr marL="0" indent="0">
+              <a:buNone/>
+            </a:pPr>
+            <a:endParaRPr lang="nl-NL" dirty="0"/>
+          </a:p>
+          <a:p>
+            <a:r>
+              <a:rPr lang="nl-NL" dirty="0" err="1"/>
+              <a:t>Note</a:t>
+            </a:r>
+            <a:r>
+              <a:rPr lang="nl-NL" dirty="0"/>
+              <a:t> that </a:t>
+            </a:r>
+            <a:r>
+              <a:rPr lang="nl-NL" dirty="0" err="1"/>
+              <a:t>the</a:t>
+            </a:r>
+            <a:r>
+              <a:rPr lang="nl-NL" dirty="0"/>
+              <a:t> </a:t>
+            </a:r>
+            <a:r>
+              <a:rPr lang="nl-NL" dirty="0" err="1"/>
+              <a:t>combination</a:t>
+            </a:r>
+            <a:r>
+              <a:rPr lang="nl-NL" dirty="0"/>
+              <a:t> is </a:t>
+            </a:r>
+            <a:r>
+              <a:rPr lang="nl-NL" dirty="0" err="1"/>
+              <a:t>not</a:t>
+            </a:r>
+            <a:r>
+              <a:rPr lang="nl-NL" dirty="0"/>
+              <a:t> </a:t>
+            </a:r>
+            <a:r>
+              <a:rPr lang="nl-NL" dirty="0" err="1"/>
+              <a:t>the</a:t>
+            </a:r>
+            <a:r>
+              <a:rPr lang="nl-NL" dirty="0"/>
+              <a:t> </a:t>
+            </a:r>
+            <a:r>
+              <a:rPr lang="nl-NL" dirty="0" err="1"/>
+              <a:t>same</a:t>
+            </a:r>
+            <a:r>
+              <a:rPr lang="nl-NL" dirty="0"/>
+              <a:t> </a:t>
+            </a:r>
+            <a:r>
+              <a:rPr lang="nl-NL" dirty="0" err="1"/>
+              <a:t>for</a:t>
+            </a:r>
+            <a:r>
+              <a:rPr lang="nl-NL" dirty="0"/>
+              <a:t> </a:t>
+            </a:r>
+            <a:r>
+              <a:rPr lang="nl-NL" dirty="0" err="1"/>
+              <a:t>the</a:t>
+            </a:r>
+            <a:r>
+              <a:rPr lang="nl-NL" dirty="0"/>
+              <a:t> worst and </a:t>
+            </a:r>
+            <a:r>
+              <a:rPr lang="nl-NL" dirty="0" err="1"/>
+              <a:t>the</a:t>
+            </a:r>
+            <a:r>
+              <a:rPr lang="nl-NL" dirty="0"/>
+              <a:t> best </a:t>
+            </a:r>
+            <a:r>
+              <a:rPr lang="nl-NL" dirty="0" err="1"/>
+              <a:t>across</a:t>
+            </a:r>
+            <a:r>
+              <a:rPr lang="nl-NL" dirty="0"/>
+              <a:t> </a:t>
+            </a:r>
+            <a:r>
+              <a:rPr lang="nl-NL" dirty="0" err="1"/>
+              <a:t>all</a:t>
+            </a:r>
+            <a:r>
+              <a:rPr lang="nl-NL" dirty="0"/>
+              <a:t> </a:t>
+            </a:r>
+            <a:r>
+              <a:rPr lang="nl-NL" dirty="0" err="1"/>
+              <a:t>FEs</a:t>
+            </a:r>
+            <a:endParaRPr lang="nl-NL" dirty="0"/>
+          </a:p>
+          <a:p>
+            <a:pPr marL="0" indent="0">
+              <a:buNone/>
+            </a:pPr>
+            <a:endParaRPr lang="nl-NL" dirty="0"/>
+          </a:p>
+        </p:txBody>
+      </p:sp>
+      <p:pic>
+        <p:nvPicPr>
+          <p:cNvPr id="5" name="Picture 4" descr="A graph of blue and orange bars&#10;&#10;Description automatically generated with low confidence">
+            <a:extLst>
+              <a:ext uri="{FF2B5EF4-FFF2-40B4-BE49-F238E27FC236}">
+                <a16:creationId xmlns:a16="http://schemas.microsoft.com/office/drawing/2014/main" id="{7FB9A49F-9F29-F547-F829-BA8875A25272}"/>
+              </a:ext>
+            </a:extLst>
+          </p:cNvPr>
+          <p:cNvPicPr>
+            <a:picLocks noChangeAspect="1"/>
+          </p:cNvPicPr>
+          <p:nvPr/>
+        </p:nvPicPr>
+        <p:blipFill>
+          <a:blip r:embed="rId2">
+            <a:extLst>
+              <a:ext uri="{28A0092B-C50C-407E-A947-70E740481C1C}">
+                <a14:useLocalDpi xmlns:a14="http://schemas.microsoft.com/office/drawing/2010/main" val="0"/>
+              </a:ext>
+            </a:extLst>
+          </a:blip>
+          <a:stretch>
+            <a:fillRect/>
+          </a:stretch>
+        </p:blipFill>
+        <p:spPr>
+          <a:xfrm>
+            <a:off x="6007202" y="1384349"/>
+            <a:ext cx="5266954" cy="4919482"/>
+          </a:xfrm>
+          <a:prstGeom prst="rect">
+            <a:avLst/>
+          </a:prstGeom>
+        </p:spPr>
+      </p:pic>
+      <p:sp>
+        <p:nvSpPr>
+          <p:cNvPr id="6" name="TextBox 5">
+            <a:extLst>
+              <a:ext uri="{FF2B5EF4-FFF2-40B4-BE49-F238E27FC236}">
+                <a16:creationId xmlns:a16="http://schemas.microsoft.com/office/drawing/2014/main" id="{89489360-3A73-13F1-D4D8-35FD1B49ECBA}"/>
+              </a:ext>
+            </a:extLst>
+          </p:cNvPr>
+          <p:cNvSpPr txBox="1"/>
+          <p:nvPr/>
+        </p:nvSpPr>
+        <p:spPr>
+          <a:xfrm>
+            <a:off x="6959571" y="3240593"/>
+            <a:ext cx="385707" cy="276999"/>
+          </a:xfrm>
+          <a:prstGeom prst="rect">
+            <a:avLst/>
+          </a:prstGeom>
+          <a:noFill/>
+        </p:spPr>
+        <p:txBody>
+          <a:bodyPr wrap="square" rtlCol="0">
+            <a:spAutoFit/>
+          </a:bodyPr>
+          <a:lstStyle/>
+          <a:p>
+            <a:r>
+              <a:rPr lang="nl-NL" sz="1200" dirty="0">
+                <a:solidFill>
+                  <a:schemeClr val="bg1"/>
+                </a:solidFill>
+              </a:rPr>
+              <a:t>5</a:t>
+            </a:r>
+            <a:endParaRPr lang="en-GB" dirty="0">
+              <a:solidFill>
+                <a:schemeClr val="bg1"/>
+              </a:solidFill>
+            </a:endParaRPr>
+          </a:p>
+        </p:txBody>
+      </p:sp>
+      <p:sp>
+        <p:nvSpPr>
+          <p:cNvPr id="7" name="TextBox 6">
+            <a:extLst>
+              <a:ext uri="{FF2B5EF4-FFF2-40B4-BE49-F238E27FC236}">
+                <a16:creationId xmlns:a16="http://schemas.microsoft.com/office/drawing/2014/main" id="{EAC371F6-484F-BD5E-3A9B-4F3FF49E6A07}"/>
+              </a:ext>
+            </a:extLst>
+          </p:cNvPr>
+          <p:cNvSpPr txBox="1"/>
+          <p:nvPr/>
+        </p:nvSpPr>
+        <p:spPr>
+          <a:xfrm>
+            <a:off x="7601148" y="3290500"/>
+            <a:ext cx="385707" cy="276999"/>
+          </a:xfrm>
+          <a:prstGeom prst="rect">
+            <a:avLst/>
+          </a:prstGeom>
+          <a:noFill/>
+        </p:spPr>
+        <p:txBody>
+          <a:bodyPr wrap="square" rtlCol="0">
+            <a:spAutoFit/>
+          </a:bodyPr>
+          <a:lstStyle/>
+          <a:p>
+            <a:r>
+              <a:rPr lang="nl-NL" sz="1200" dirty="0">
+                <a:solidFill>
+                  <a:schemeClr val="bg1"/>
+                </a:solidFill>
+              </a:rPr>
+              <a:t>4</a:t>
+            </a:r>
+            <a:endParaRPr lang="en-GB" dirty="0">
+              <a:solidFill>
+                <a:schemeClr val="bg1"/>
+              </a:solidFill>
+            </a:endParaRPr>
+          </a:p>
+        </p:txBody>
+      </p:sp>
+      <p:sp>
+        <p:nvSpPr>
+          <p:cNvPr id="8" name="TextBox 7">
+            <a:extLst>
+              <a:ext uri="{FF2B5EF4-FFF2-40B4-BE49-F238E27FC236}">
+                <a16:creationId xmlns:a16="http://schemas.microsoft.com/office/drawing/2014/main" id="{A8348B5D-D41D-2649-FB09-F035921A391A}"/>
+              </a:ext>
+            </a:extLst>
+          </p:cNvPr>
+          <p:cNvSpPr txBox="1"/>
+          <p:nvPr/>
+        </p:nvSpPr>
+        <p:spPr>
+          <a:xfrm>
+            <a:off x="8188583" y="3150082"/>
+            <a:ext cx="347822" cy="549629"/>
+          </a:xfrm>
+          <a:prstGeom prst="rect">
+            <a:avLst/>
+          </a:prstGeom>
+          <a:noFill/>
+        </p:spPr>
+        <p:txBody>
+          <a:bodyPr wrap="square" rtlCol="0">
+            <a:spAutoFit/>
+          </a:bodyPr>
+          <a:lstStyle/>
+          <a:p>
+            <a:r>
+              <a:rPr lang="nl-NL" sz="1200" dirty="0">
+                <a:solidFill>
+                  <a:schemeClr val="bg1"/>
+                </a:solidFill>
+              </a:rPr>
+              <a:t>2</a:t>
+            </a:r>
+          </a:p>
+          <a:p>
+            <a:endParaRPr lang="en-GB" dirty="0">
+              <a:solidFill>
+                <a:schemeClr val="bg1"/>
+              </a:solidFill>
+            </a:endParaRPr>
+          </a:p>
+        </p:txBody>
+      </p:sp>
+      <p:sp>
+        <p:nvSpPr>
+          <p:cNvPr id="9" name="TextBox 8">
+            <a:extLst>
+              <a:ext uri="{FF2B5EF4-FFF2-40B4-BE49-F238E27FC236}">
+                <a16:creationId xmlns:a16="http://schemas.microsoft.com/office/drawing/2014/main" id="{B41A058A-873A-2AE9-7DF1-E6C5FD919FA5}"/>
+              </a:ext>
+            </a:extLst>
+          </p:cNvPr>
+          <p:cNvSpPr txBox="1"/>
+          <p:nvPr/>
+        </p:nvSpPr>
+        <p:spPr>
+          <a:xfrm>
+            <a:off x="8818128" y="3104277"/>
+            <a:ext cx="347822" cy="276999"/>
+          </a:xfrm>
+          <a:prstGeom prst="rect">
+            <a:avLst/>
+          </a:prstGeom>
+          <a:noFill/>
+        </p:spPr>
+        <p:txBody>
+          <a:bodyPr wrap="square" rtlCol="0">
+            <a:spAutoFit/>
+          </a:bodyPr>
+          <a:lstStyle/>
+          <a:p>
+            <a:r>
+              <a:rPr lang="nl-NL" sz="1200" dirty="0">
+                <a:solidFill>
+                  <a:schemeClr val="bg1"/>
+                </a:solidFill>
+              </a:rPr>
+              <a:t>1</a:t>
+            </a:r>
+            <a:endParaRPr lang="en-GB" dirty="0">
+              <a:solidFill>
+                <a:schemeClr val="bg1"/>
+              </a:solidFill>
+            </a:endParaRPr>
+          </a:p>
+        </p:txBody>
+      </p:sp>
+      <p:sp>
+        <p:nvSpPr>
+          <p:cNvPr id="10" name="TextBox 9">
+            <a:extLst>
+              <a:ext uri="{FF2B5EF4-FFF2-40B4-BE49-F238E27FC236}">
+                <a16:creationId xmlns:a16="http://schemas.microsoft.com/office/drawing/2014/main" id="{E5807892-A8FF-12B3-8BB6-CD43F2D8358B}"/>
+              </a:ext>
+            </a:extLst>
+          </p:cNvPr>
+          <p:cNvSpPr txBox="1"/>
+          <p:nvPr/>
+        </p:nvSpPr>
+        <p:spPr>
+          <a:xfrm>
+            <a:off x="9447673" y="3037163"/>
+            <a:ext cx="347822" cy="276999"/>
+          </a:xfrm>
+          <a:prstGeom prst="rect">
+            <a:avLst/>
+          </a:prstGeom>
+          <a:noFill/>
+        </p:spPr>
+        <p:txBody>
+          <a:bodyPr wrap="square" rtlCol="0">
+            <a:spAutoFit/>
+          </a:bodyPr>
+          <a:lstStyle/>
+          <a:p>
+            <a:r>
+              <a:rPr lang="nl-NL" sz="1200" dirty="0">
+                <a:solidFill>
+                  <a:schemeClr val="bg1"/>
+                </a:solidFill>
+              </a:rPr>
+              <a:t>4</a:t>
+            </a:r>
+            <a:endParaRPr lang="en-GB" dirty="0">
+              <a:solidFill>
+                <a:schemeClr val="bg1"/>
+              </a:solidFill>
+            </a:endParaRPr>
+          </a:p>
+        </p:txBody>
+      </p:sp>
+      <p:sp>
+        <p:nvSpPr>
+          <p:cNvPr id="11" name="TextBox 10">
+            <a:extLst>
+              <a:ext uri="{FF2B5EF4-FFF2-40B4-BE49-F238E27FC236}">
+                <a16:creationId xmlns:a16="http://schemas.microsoft.com/office/drawing/2014/main" id="{3A81D5FA-2CA4-9FA8-BB2B-B75E0758FAD5}"/>
+              </a:ext>
+            </a:extLst>
+          </p:cNvPr>
+          <p:cNvSpPr txBox="1"/>
+          <p:nvPr/>
+        </p:nvSpPr>
+        <p:spPr>
+          <a:xfrm>
+            <a:off x="10027199" y="3116444"/>
+            <a:ext cx="385707" cy="276999"/>
+          </a:xfrm>
+          <a:prstGeom prst="rect">
+            <a:avLst/>
+          </a:prstGeom>
+          <a:noFill/>
+        </p:spPr>
+        <p:txBody>
+          <a:bodyPr wrap="square" rtlCol="0">
+            <a:spAutoFit/>
+          </a:bodyPr>
+          <a:lstStyle/>
+          <a:p>
+            <a:r>
+              <a:rPr lang="nl-NL" sz="1200" dirty="0">
+                <a:solidFill>
+                  <a:schemeClr val="bg1"/>
+                </a:solidFill>
+              </a:rPr>
+              <a:t>5</a:t>
+            </a:r>
+            <a:endParaRPr lang="en-GB" dirty="0">
+              <a:solidFill>
+                <a:schemeClr val="bg1"/>
+              </a:solidFill>
+            </a:endParaRPr>
+          </a:p>
+        </p:txBody>
+      </p:sp>
+      <p:sp>
+        <p:nvSpPr>
+          <p:cNvPr id="12" name="TextBox 11">
+            <a:extLst>
+              <a:ext uri="{FF2B5EF4-FFF2-40B4-BE49-F238E27FC236}">
+                <a16:creationId xmlns:a16="http://schemas.microsoft.com/office/drawing/2014/main" id="{028A650A-95FD-46BC-98C8-E9E49A6BA541}"/>
+              </a:ext>
+            </a:extLst>
+          </p:cNvPr>
+          <p:cNvSpPr txBox="1"/>
+          <p:nvPr/>
+        </p:nvSpPr>
+        <p:spPr>
+          <a:xfrm>
+            <a:off x="10644610" y="3113988"/>
+            <a:ext cx="347822" cy="276999"/>
+          </a:xfrm>
+          <a:prstGeom prst="rect">
+            <a:avLst/>
+          </a:prstGeom>
+          <a:noFill/>
+        </p:spPr>
+        <p:txBody>
+          <a:bodyPr wrap="square" rtlCol="0">
+            <a:spAutoFit/>
+          </a:bodyPr>
+          <a:lstStyle/>
+          <a:p>
+            <a:r>
+              <a:rPr lang="nl-NL" sz="1200" dirty="0">
+                <a:solidFill>
+                  <a:schemeClr val="bg1"/>
+                </a:solidFill>
+              </a:rPr>
+              <a:t>1</a:t>
+            </a:r>
+            <a:endParaRPr lang="en-GB" dirty="0">
+              <a:solidFill>
+                <a:schemeClr val="bg1"/>
+              </a:solidFill>
+            </a:endParaRPr>
+          </a:p>
+        </p:txBody>
+      </p:sp>
+      <p:sp>
+        <p:nvSpPr>
+          <p:cNvPr id="13" name="TextBox 12">
+            <a:extLst>
+              <a:ext uri="{FF2B5EF4-FFF2-40B4-BE49-F238E27FC236}">
+                <a16:creationId xmlns:a16="http://schemas.microsoft.com/office/drawing/2014/main" id="{6765F2CA-465F-6157-FC33-139D25D2E974}"/>
+              </a:ext>
+            </a:extLst>
+          </p:cNvPr>
+          <p:cNvSpPr txBox="1"/>
+          <p:nvPr/>
+        </p:nvSpPr>
+        <p:spPr>
+          <a:xfrm>
+            <a:off x="6766717" y="2687761"/>
+            <a:ext cx="385707" cy="276999"/>
+          </a:xfrm>
+          <a:prstGeom prst="rect">
+            <a:avLst/>
+          </a:prstGeom>
+          <a:noFill/>
+        </p:spPr>
+        <p:txBody>
+          <a:bodyPr wrap="square" rtlCol="0">
+            <a:spAutoFit/>
+          </a:bodyPr>
+          <a:lstStyle/>
+          <a:p>
+            <a:r>
+              <a:rPr lang="nl-NL" sz="1200" dirty="0">
+                <a:solidFill>
+                  <a:schemeClr val="bg1"/>
+                </a:solidFill>
+              </a:rPr>
+              <a:t>4</a:t>
+            </a:r>
+            <a:endParaRPr lang="en-GB" dirty="0">
+              <a:solidFill>
+                <a:schemeClr val="bg1"/>
+              </a:solidFill>
+            </a:endParaRPr>
+          </a:p>
+        </p:txBody>
+      </p:sp>
+      <p:sp>
+        <p:nvSpPr>
+          <p:cNvPr id="14" name="TextBox 13">
+            <a:extLst>
+              <a:ext uri="{FF2B5EF4-FFF2-40B4-BE49-F238E27FC236}">
+                <a16:creationId xmlns:a16="http://schemas.microsoft.com/office/drawing/2014/main" id="{5F4714AD-FAC0-CC64-22DF-89CE33975CA8}"/>
+              </a:ext>
+            </a:extLst>
+          </p:cNvPr>
+          <p:cNvSpPr txBox="1"/>
+          <p:nvPr/>
+        </p:nvSpPr>
+        <p:spPr>
+          <a:xfrm>
+            <a:off x="7372016" y="2900847"/>
+            <a:ext cx="347822" cy="549629"/>
+          </a:xfrm>
+          <a:prstGeom prst="rect">
+            <a:avLst/>
+          </a:prstGeom>
+          <a:noFill/>
+        </p:spPr>
+        <p:txBody>
+          <a:bodyPr wrap="square" rtlCol="0">
+            <a:spAutoFit/>
+          </a:bodyPr>
+          <a:lstStyle/>
+          <a:p>
+            <a:r>
+              <a:rPr lang="nl-NL" sz="1200" dirty="0">
+                <a:solidFill>
+                  <a:schemeClr val="bg1"/>
+                </a:solidFill>
+              </a:rPr>
+              <a:t>2</a:t>
+            </a:r>
+          </a:p>
+          <a:p>
+            <a:endParaRPr lang="en-GB" dirty="0">
+              <a:solidFill>
+                <a:schemeClr val="bg1"/>
+              </a:solidFill>
+            </a:endParaRPr>
+          </a:p>
+        </p:txBody>
+      </p:sp>
+      <p:sp>
+        <p:nvSpPr>
+          <p:cNvPr id="15" name="TextBox 14">
+            <a:extLst>
+              <a:ext uri="{FF2B5EF4-FFF2-40B4-BE49-F238E27FC236}">
+                <a16:creationId xmlns:a16="http://schemas.microsoft.com/office/drawing/2014/main" id="{5CC208B7-BFF3-550E-4630-D3493237DAD1}"/>
+              </a:ext>
+            </a:extLst>
+          </p:cNvPr>
+          <p:cNvSpPr txBox="1"/>
+          <p:nvPr/>
+        </p:nvSpPr>
+        <p:spPr>
+          <a:xfrm>
+            <a:off x="7969830" y="2548100"/>
+            <a:ext cx="385707" cy="276999"/>
+          </a:xfrm>
+          <a:prstGeom prst="rect">
+            <a:avLst/>
+          </a:prstGeom>
+          <a:noFill/>
+        </p:spPr>
+        <p:txBody>
+          <a:bodyPr wrap="square" rtlCol="0">
+            <a:spAutoFit/>
+          </a:bodyPr>
+          <a:lstStyle/>
+          <a:p>
+            <a:r>
+              <a:rPr lang="nl-NL" sz="1200" dirty="0">
+                <a:solidFill>
+                  <a:schemeClr val="bg1"/>
+                </a:solidFill>
+              </a:rPr>
+              <a:t>4</a:t>
+            </a:r>
+            <a:endParaRPr lang="en-GB" dirty="0">
+              <a:solidFill>
+                <a:schemeClr val="bg1"/>
+              </a:solidFill>
+            </a:endParaRPr>
+          </a:p>
+        </p:txBody>
+      </p:sp>
+      <p:sp>
+        <p:nvSpPr>
+          <p:cNvPr id="16" name="TextBox 15">
+            <a:extLst>
+              <a:ext uri="{FF2B5EF4-FFF2-40B4-BE49-F238E27FC236}">
+                <a16:creationId xmlns:a16="http://schemas.microsoft.com/office/drawing/2014/main" id="{114CF893-5A56-430F-38FE-74AC0D82135C}"/>
+              </a:ext>
+            </a:extLst>
+          </p:cNvPr>
+          <p:cNvSpPr txBox="1"/>
+          <p:nvPr/>
+        </p:nvSpPr>
+        <p:spPr>
+          <a:xfrm>
+            <a:off x="8606332" y="2548099"/>
+            <a:ext cx="385707" cy="276999"/>
+          </a:xfrm>
+          <a:prstGeom prst="rect">
+            <a:avLst/>
+          </a:prstGeom>
+          <a:noFill/>
+        </p:spPr>
+        <p:txBody>
+          <a:bodyPr wrap="square" rtlCol="0">
+            <a:spAutoFit/>
+          </a:bodyPr>
+          <a:lstStyle/>
+          <a:p>
+            <a:r>
+              <a:rPr lang="nl-NL" sz="1200" dirty="0">
+                <a:solidFill>
+                  <a:schemeClr val="bg1"/>
+                </a:solidFill>
+              </a:rPr>
+              <a:t>4</a:t>
+            </a:r>
+            <a:endParaRPr lang="en-GB" dirty="0">
+              <a:solidFill>
+                <a:schemeClr val="bg1"/>
+              </a:solidFill>
+            </a:endParaRPr>
+          </a:p>
+        </p:txBody>
+      </p:sp>
+      <p:sp>
+        <p:nvSpPr>
+          <p:cNvPr id="17" name="TextBox 16">
+            <a:extLst>
+              <a:ext uri="{FF2B5EF4-FFF2-40B4-BE49-F238E27FC236}">
+                <a16:creationId xmlns:a16="http://schemas.microsoft.com/office/drawing/2014/main" id="{F9586480-171A-D6D8-BCC7-DBD1A405C50C}"/>
+              </a:ext>
+            </a:extLst>
+          </p:cNvPr>
+          <p:cNvSpPr txBox="1"/>
+          <p:nvPr/>
+        </p:nvSpPr>
+        <p:spPr>
+          <a:xfrm>
+            <a:off x="9223743" y="2927096"/>
+            <a:ext cx="347822" cy="549629"/>
+          </a:xfrm>
+          <a:prstGeom prst="rect">
+            <a:avLst/>
+          </a:prstGeom>
+          <a:noFill/>
+        </p:spPr>
+        <p:txBody>
+          <a:bodyPr wrap="square" rtlCol="0">
+            <a:spAutoFit/>
+          </a:bodyPr>
+          <a:lstStyle/>
+          <a:p>
+            <a:r>
+              <a:rPr lang="nl-NL" sz="1200" dirty="0">
+                <a:solidFill>
+                  <a:schemeClr val="bg1"/>
+                </a:solidFill>
+              </a:rPr>
+              <a:t>2</a:t>
+            </a:r>
+          </a:p>
+          <a:p>
+            <a:endParaRPr lang="en-GB" dirty="0">
+              <a:solidFill>
+                <a:schemeClr val="bg1"/>
+              </a:solidFill>
+            </a:endParaRPr>
+          </a:p>
+        </p:txBody>
+      </p:sp>
+      <p:sp>
+        <p:nvSpPr>
+          <p:cNvPr id="18" name="TextBox 17">
+            <a:extLst>
+              <a:ext uri="{FF2B5EF4-FFF2-40B4-BE49-F238E27FC236}">
+                <a16:creationId xmlns:a16="http://schemas.microsoft.com/office/drawing/2014/main" id="{1F2A0535-B135-8F9E-4A7C-E190D8382616}"/>
+              </a:ext>
+            </a:extLst>
+          </p:cNvPr>
+          <p:cNvSpPr txBox="1"/>
+          <p:nvPr/>
+        </p:nvSpPr>
+        <p:spPr>
+          <a:xfrm>
+            <a:off x="9834345" y="2623848"/>
+            <a:ext cx="385707" cy="276999"/>
+          </a:xfrm>
+          <a:prstGeom prst="rect">
+            <a:avLst/>
+          </a:prstGeom>
+          <a:noFill/>
+        </p:spPr>
+        <p:txBody>
+          <a:bodyPr wrap="square" rtlCol="0">
+            <a:spAutoFit/>
+          </a:bodyPr>
+          <a:lstStyle/>
+          <a:p>
+            <a:r>
+              <a:rPr lang="nl-NL" sz="1200" dirty="0">
+                <a:solidFill>
+                  <a:schemeClr val="bg1"/>
+                </a:solidFill>
+              </a:rPr>
+              <a:t>4</a:t>
+            </a:r>
+            <a:endParaRPr lang="en-GB" dirty="0">
+              <a:solidFill>
+                <a:schemeClr val="bg1"/>
+              </a:solidFill>
+            </a:endParaRPr>
+          </a:p>
+        </p:txBody>
+      </p:sp>
+      <p:sp>
+        <p:nvSpPr>
+          <p:cNvPr id="19" name="TextBox 18">
+            <a:extLst>
+              <a:ext uri="{FF2B5EF4-FFF2-40B4-BE49-F238E27FC236}">
+                <a16:creationId xmlns:a16="http://schemas.microsoft.com/office/drawing/2014/main" id="{C99043F0-CC66-AC71-9119-B7351205F4CE}"/>
+              </a:ext>
+            </a:extLst>
+          </p:cNvPr>
+          <p:cNvSpPr txBox="1"/>
+          <p:nvPr/>
+        </p:nvSpPr>
+        <p:spPr>
+          <a:xfrm>
+            <a:off x="10451756" y="2548098"/>
+            <a:ext cx="385707" cy="276999"/>
+          </a:xfrm>
+          <a:prstGeom prst="rect">
+            <a:avLst/>
+          </a:prstGeom>
+          <a:noFill/>
+        </p:spPr>
+        <p:txBody>
+          <a:bodyPr wrap="square" rtlCol="0">
+            <a:spAutoFit/>
+          </a:bodyPr>
+          <a:lstStyle/>
+          <a:p>
+            <a:r>
+              <a:rPr lang="nl-NL" sz="1200" dirty="0">
+                <a:solidFill>
+                  <a:schemeClr val="bg1"/>
+                </a:solidFill>
+              </a:rPr>
+              <a:t>5</a:t>
+            </a:r>
+            <a:endParaRPr lang="en-GB" dirty="0">
+              <a:solidFill>
+                <a:schemeClr val="bg1"/>
+              </a:solidFill>
+            </a:endParaRPr>
+          </a:p>
+        </p:txBody>
+      </p:sp>
+    </p:spTree>
+    <p:extLst>
+      <p:ext uri="{BB962C8B-B14F-4D97-AF65-F5344CB8AC3E}">
+        <p14:creationId xmlns:p14="http://schemas.microsoft.com/office/powerpoint/2010/main" val="40393799"/>
       </p:ext>
     </p:extLst>
   </p:cSld>

--- a/Updates/update_pp.pptx
+++ b/Updates/update_pp.pptx
@@ -16,6 +16,8 @@
     <p:sldId id="265" r:id="rId10"/>
     <p:sldId id="266" r:id="rId11"/>
     <p:sldId id="267" r:id="rId12"/>
+    <p:sldId id="268" r:id="rId13"/>
+    <p:sldId id="269" r:id="rId14"/>
   </p:sldIdLst>
   <p:sldSz cx="12192000" cy="6858000"/>
   <p:notesSz cx="6858000" cy="9144000"/>
@@ -505,7 +507,7 @@
           <a:p>
             <a:fld id="{548AD6D6-AC4F-4550-80A4-8327B57A8223}" type="datetimeFigureOut">
               <a:rPr lang="en-GB" smtClean="0"/>
-              <a:t>01/05/2023</a:t>
+              <a:t>17/05/2023</a:t>
             </a:fld>
             <a:endParaRPr lang="en-GB"/>
           </a:p>
@@ -705,7 +707,7 @@
           <a:p>
             <a:fld id="{548AD6D6-AC4F-4550-80A4-8327B57A8223}" type="datetimeFigureOut">
               <a:rPr lang="en-GB" smtClean="0"/>
-              <a:t>01/05/2023</a:t>
+              <a:t>17/05/2023</a:t>
             </a:fld>
             <a:endParaRPr lang="en-GB"/>
           </a:p>
@@ -915,7 +917,7 @@
           <a:p>
             <a:fld id="{548AD6D6-AC4F-4550-80A4-8327B57A8223}" type="datetimeFigureOut">
               <a:rPr lang="en-GB" smtClean="0"/>
-              <a:t>01/05/2023</a:t>
+              <a:t>17/05/2023</a:t>
             </a:fld>
             <a:endParaRPr lang="en-GB"/>
           </a:p>
@@ -1115,7 +1117,7 @@
           <a:p>
             <a:fld id="{548AD6D6-AC4F-4550-80A4-8327B57A8223}" type="datetimeFigureOut">
               <a:rPr lang="en-GB" smtClean="0"/>
-              <a:t>01/05/2023</a:t>
+              <a:t>17/05/2023</a:t>
             </a:fld>
             <a:endParaRPr lang="en-GB"/>
           </a:p>
@@ -1391,7 +1393,7 @@
           <a:p>
             <a:fld id="{548AD6D6-AC4F-4550-80A4-8327B57A8223}" type="datetimeFigureOut">
               <a:rPr lang="en-GB" smtClean="0"/>
-              <a:t>01/05/2023</a:t>
+              <a:t>17/05/2023</a:t>
             </a:fld>
             <a:endParaRPr lang="en-GB"/>
           </a:p>
@@ -1659,7 +1661,7 @@
           <a:p>
             <a:fld id="{548AD6D6-AC4F-4550-80A4-8327B57A8223}" type="datetimeFigureOut">
               <a:rPr lang="en-GB" smtClean="0"/>
-              <a:t>01/05/2023</a:t>
+              <a:t>17/05/2023</a:t>
             </a:fld>
             <a:endParaRPr lang="en-GB"/>
           </a:p>
@@ -2074,7 +2076,7 @@
           <a:p>
             <a:fld id="{548AD6D6-AC4F-4550-80A4-8327B57A8223}" type="datetimeFigureOut">
               <a:rPr lang="en-GB" smtClean="0"/>
-              <a:t>01/05/2023</a:t>
+              <a:t>17/05/2023</a:t>
             </a:fld>
             <a:endParaRPr lang="en-GB"/>
           </a:p>
@@ -2216,7 +2218,7 @@
           <a:p>
             <a:fld id="{548AD6D6-AC4F-4550-80A4-8327B57A8223}" type="datetimeFigureOut">
               <a:rPr lang="en-GB" smtClean="0"/>
-              <a:t>01/05/2023</a:t>
+              <a:t>17/05/2023</a:t>
             </a:fld>
             <a:endParaRPr lang="en-GB"/>
           </a:p>
@@ -2329,7 +2331,7 @@
           <a:p>
             <a:fld id="{548AD6D6-AC4F-4550-80A4-8327B57A8223}" type="datetimeFigureOut">
               <a:rPr lang="en-GB" smtClean="0"/>
-              <a:t>01/05/2023</a:t>
+              <a:t>17/05/2023</a:t>
             </a:fld>
             <a:endParaRPr lang="en-GB"/>
           </a:p>
@@ -2642,7 +2644,7 @@
           <a:p>
             <a:fld id="{548AD6D6-AC4F-4550-80A4-8327B57A8223}" type="datetimeFigureOut">
               <a:rPr lang="en-GB" smtClean="0"/>
-              <a:t>01/05/2023</a:t>
+              <a:t>17/05/2023</a:t>
             </a:fld>
             <a:endParaRPr lang="en-GB"/>
           </a:p>
@@ -2931,7 +2933,7 @@
           <a:p>
             <a:fld id="{548AD6D6-AC4F-4550-80A4-8327B57A8223}" type="datetimeFigureOut">
               <a:rPr lang="en-GB" smtClean="0"/>
-              <a:t>01/05/2023</a:t>
+              <a:t>17/05/2023</a:t>
             </a:fld>
             <a:endParaRPr lang="en-GB"/>
           </a:p>
@@ -3174,7 +3176,7 @@
           <a:p>
             <a:fld id="{548AD6D6-AC4F-4550-80A4-8327B57A8223}" type="datetimeFigureOut">
               <a:rPr lang="en-GB" smtClean="0"/>
-              <a:t>01/05/2023</a:t>
+              <a:t>17/05/2023</a:t>
             </a:fld>
             <a:endParaRPr lang="en-GB"/>
           </a:p>
@@ -4358,6 +4360,956 @@
 </p:sld>
 </file>
 
+<file path=ppt/slides/slide12.xml><?xml version="1.0" encoding="utf-8"?>
+<p:sld xmlns:a="http://schemas.openxmlformats.org/drawingml/2006/main" xmlns:r="http://schemas.openxmlformats.org/officeDocument/2006/relationships" xmlns:p="http://schemas.openxmlformats.org/presentationml/2006/main">
+  <p:cSld>
+    <p:bg>
+      <p:bgPr>
+        <a:solidFill>
+          <a:schemeClr val="bg1"/>
+        </a:solidFill>
+        <a:effectLst/>
+      </p:bgPr>
+    </p:bg>
+    <p:spTree>
+      <p:nvGrpSpPr>
+        <p:cNvPr id="1" name=""/>
+        <p:cNvGrpSpPr/>
+        <p:nvPr/>
+      </p:nvGrpSpPr>
+      <p:grpSpPr>
+        <a:xfrm>
+          <a:off x="0" y="0"/>
+          <a:ext cx="0" cy="0"/>
+          <a:chOff x="0" y="0"/>
+          <a:chExt cx="0" cy="0"/>
+        </a:xfrm>
+      </p:grpSpPr>
+      <p:sp useBgFill="1">
+        <p:nvSpPr>
+          <p:cNvPr id="15" name="Rectangle 9">
+            <a:extLst>
+              <a:ext uri="{FF2B5EF4-FFF2-40B4-BE49-F238E27FC236}">
+                <a16:creationId xmlns:a16="http://schemas.microsoft.com/office/drawing/2014/main" id="{DBC6133C-0615-4CE4-9132-37E609A9BDFA}"/>
+              </a:ext>
+              <a:ext uri="{C183D7F6-B498-43B3-948B-1728B52AA6E4}">
+                <adec:decorative xmlns:adec="http://schemas.microsoft.com/office/drawing/2017/decorative" val="1"/>
+              </a:ext>
+            </a:extLst>
+          </p:cNvPr>
+          <p:cNvSpPr>
+            <a:spLocks noGrp="1" noRot="1" noChangeAspect="1" noMove="1" noResize="1" noEditPoints="1" noAdjustHandles="1" noChangeArrowheads="1" noChangeShapeType="1" noTextEdit="1"/>
+          </p:cNvSpPr>
+          <p:nvPr>
+            <p:extLst>
+              <p:ext uri="{386F3935-93C4-4BCD-93E2-E3B085C9AB24}">
+                <p16:designElem xmlns:p16="http://schemas.microsoft.com/office/powerpoint/2015/main" val="1"/>
+              </p:ext>
+            </p:extLst>
+          </p:nvPr>
+        </p:nvSpPr>
+        <p:spPr>
+          <a:xfrm>
+            <a:off x="0" y="0"/>
+            <a:ext cx="12191999" cy="6857365"/>
+          </a:xfrm>
+          <a:prstGeom prst="rect">
+            <a:avLst/>
+          </a:prstGeom>
+          <a:ln>
+            <a:noFill/>
+          </a:ln>
+        </p:spPr>
+        <p:style>
+          <a:lnRef idx="2">
+            <a:schemeClr val="accent1">
+              <a:shade val="50000"/>
+            </a:schemeClr>
+          </a:lnRef>
+          <a:fillRef idx="1">
+            <a:schemeClr val="accent1"/>
+          </a:fillRef>
+          <a:effectRef idx="0">
+            <a:schemeClr val="accent1"/>
+          </a:effectRef>
+          <a:fontRef idx="minor">
+            <a:schemeClr val="lt1"/>
+          </a:fontRef>
+        </p:style>
+        <p:txBody>
+          <a:bodyPr rtlCol="0" anchor="ctr"/>
+          <a:lstStyle/>
+          <a:p>
+            <a:pPr algn="ctr"/>
+            <a:endParaRPr lang="en-US"/>
+          </a:p>
+        </p:txBody>
+      </p:sp>
+      <p:sp>
+        <p:nvSpPr>
+          <p:cNvPr id="2" name="Title 1">
+            <a:extLst>
+              <a:ext uri="{FF2B5EF4-FFF2-40B4-BE49-F238E27FC236}">
+                <a16:creationId xmlns:a16="http://schemas.microsoft.com/office/drawing/2014/main" id="{615EE5DC-6473-7C29-D89A-6251573A3208}"/>
+              </a:ext>
+            </a:extLst>
+          </p:cNvPr>
+          <p:cNvSpPr>
+            <a:spLocks noGrp="1"/>
+          </p:cNvSpPr>
+          <p:nvPr>
+            <p:ph type="title"/>
+          </p:nvPr>
+        </p:nvSpPr>
+        <p:spPr>
+          <a:xfrm>
+            <a:off x="645064" y="525982"/>
+            <a:ext cx="4282983" cy="1200361"/>
+          </a:xfrm>
+        </p:spPr>
+        <p:txBody>
+          <a:bodyPr anchor="b">
+            <a:normAutofit/>
+          </a:bodyPr>
+          <a:lstStyle/>
+          <a:p>
+            <a:r>
+              <a:rPr lang="nl-NL" sz="3600"/>
+              <a:t>5 – 17 May</a:t>
+            </a:r>
+            <a:endParaRPr lang="en-GB" sz="3600"/>
+          </a:p>
+        </p:txBody>
+      </p:sp>
+      <p:sp>
+        <p:nvSpPr>
+          <p:cNvPr id="17" name="Rectangle 11">
+            <a:extLst>
+              <a:ext uri="{FF2B5EF4-FFF2-40B4-BE49-F238E27FC236}">
+                <a16:creationId xmlns:a16="http://schemas.microsoft.com/office/drawing/2014/main" id="{169CC832-2974-4E8D-90ED-3E2941BA7336}"/>
+              </a:ext>
+              <a:ext uri="{C183D7F6-B498-43B3-948B-1728B52AA6E4}">
+                <adec:decorative xmlns:adec="http://schemas.microsoft.com/office/drawing/2017/decorative" val="1"/>
+              </a:ext>
+            </a:extLst>
+          </p:cNvPr>
+          <p:cNvSpPr>
+            <a:spLocks noGrp="1" noRot="1" noChangeAspect="1" noMove="1" noResize="1" noEditPoints="1" noAdjustHandles="1" noChangeArrowheads="1" noChangeShapeType="1" noTextEdit="1"/>
+          </p:cNvSpPr>
+          <p:nvPr>
+            <p:extLst>
+              <p:ext uri="{386F3935-93C4-4BCD-93E2-E3B085C9AB24}">
+                <p16:designElem xmlns:p16="http://schemas.microsoft.com/office/powerpoint/2015/main" val="1"/>
+              </p:ext>
+            </p:extLst>
+          </p:nvPr>
+        </p:nvSpPr>
+        <p:spPr>
+          <a:xfrm flipH="1">
+            <a:off x="616533" y="1944913"/>
+            <a:ext cx="4023360" cy="27432"/>
+          </a:xfrm>
+          <a:prstGeom prst="rect">
+            <a:avLst/>
+          </a:prstGeom>
+          <a:solidFill>
+            <a:schemeClr val="accent4"/>
+          </a:solidFill>
+          <a:ln>
+            <a:noFill/>
+          </a:ln>
+        </p:spPr>
+        <p:style>
+          <a:lnRef idx="2">
+            <a:schemeClr val="accent1">
+              <a:shade val="50000"/>
+            </a:schemeClr>
+          </a:lnRef>
+          <a:fillRef idx="1">
+            <a:schemeClr val="accent1"/>
+          </a:fillRef>
+          <a:effectRef idx="0">
+            <a:schemeClr val="accent1"/>
+          </a:effectRef>
+          <a:fontRef idx="minor">
+            <a:schemeClr val="lt1"/>
+          </a:fontRef>
+        </p:style>
+        <p:txBody>
+          <a:bodyPr rtlCol="0" anchor="ctr"/>
+          <a:lstStyle/>
+          <a:p>
+            <a:pPr algn="ctr"/>
+            <a:endParaRPr lang="en-US"/>
+          </a:p>
+        </p:txBody>
+      </p:sp>
+      <p:sp>
+        <p:nvSpPr>
+          <p:cNvPr id="3" name="Content Placeholder 2">
+            <a:extLst>
+              <a:ext uri="{FF2B5EF4-FFF2-40B4-BE49-F238E27FC236}">
+                <a16:creationId xmlns:a16="http://schemas.microsoft.com/office/drawing/2014/main" id="{92F8B8C3-27FB-44EF-3C7F-2DB767F574BF}"/>
+              </a:ext>
+            </a:extLst>
+          </p:cNvPr>
+          <p:cNvSpPr>
+            <a:spLocks noGrp="1"/>
+          </p:cNvSpPr>
+          <p:nvPr>
+            <p:ph idx="1"/>
+          </p:nvPr>
+        </p:nvSpPr>
+        <p:spPr>
+          <a:xfrm>
+            <a:off x="645066" y="2031101"/>
+            <a:ext cx="4282984" cy="3511943"/>
+          </a:xfrm>
+        </p:spPr>
+        <p:txBody>
+          <a:bodyPr anchor="ctr">
+            <a:normAutofit/>
+          </a:bodyPr>
+          <a:lstStyle/>
+          <a:p>
+            <a:r>
+              <a:rPr lang="nl-NL" sz="1800" dirty="0" err="1"/>
+              <a:t>Normalization</a:t>
+            </a:r>
+            <a:r>
+              <a:rPr lang="nl-NL" sz="1800" dirty="0"/>
+              <a:t> </a:t>
+            </a:r>
+            <a:r>
+              <a:rPr lang="nl-NL" sz="1800" dirty="0" err="1"/>
+              <a:t>based</a:t>
+            </a:r>
+            <a:r>
+              <a:rPr lang="nl-NL" sz="1800" dirty="0"/>
+              <a:t> on </a:t>
+            </a:r>
+            <a:r>
+              <a:rPr lang="nl-NL" sz="1800" dirty="0" err="1"/>
+              <a:t>hounsville</a:t>
+            </a:r>
+            <a:r>
+              <a:rPr lang="nl-NL" sz="1800" dirty="0"/>
+              <a:t> units</a:t>
+            </a:r>
+          </a:p>
+          <a:p>
+            <a:r>
+              <a:rPr lang="nl-NL" sz="1800" dirty="0" err="1"/>
+              <a:t>Clipped</a:t>
+            </a:r>
+            <a:r>
+              <a:rPr lang="nl-NL" sz="1800" dirty="0"/>
+              <a:t> images </a:t>
+            </a:r>
+            <a:r>
+              <a:rPr lang="nl-NL" sz="1800" dirty="0" err="1"/>
+              <a:t>between</a:t>
+            </a:r>
+            <a:r>
+              <a:rPr lang="nl-NL" sz="1800" dirty="0"/>
+              <a:t> -100 and 300</a:t>
+            </a:r>
+          </a:p>
+          <a:p>
+            <a:r>
+              <a:rPr lang="nl-NL" sz="1800" dirty="0" err="1"/>
+              <a:t>Better</a:t>
+            </a:r>
+            <a:r>
+              <a:rPr lang="nl-NL" sz="1800" dirty="0"/>
+              <a:t> </a:t>
+            </a:r>
+            <a:r>
+              <a:rPr lang="nl-NL" sz="1800" dirty="0" err="1"/>
+              <a:t>results</a:t>
+            </a:r>
+            <a:endParaRPr lang="nl-NL" sz="1800" dirty="0"/>
+          </a:p>
+          <a:p>
+            <a:r>
+              <a:rPr lang="nl-NL" sz="1800" dirty="0"/>
+              <a:t>Poster </a:t>
+            </a:r>
+            <a:r>
+              <a:rPr lang="nl-NL" sz="1800" dirty="0" err="1"/>
+              <a:t>contest</a:t>
+            </a:r>
+            <a:endParaRPr lang="nl-NL" sz="1800" dirty="0"/>
+          </a:p>
+          <a:p>
+            <a:endParaRPr lang="en-GB" sz="1800" dirty="0"/>
+          </a:p>
+        </p:txBody>
+      </p:sp>
+      <p:sp>
+        <p:nvSpPr>
+          <p:cNvPr id="14" name="Rectangle 13">
+            <a:extLst>
+              <a:ext uri="{FF2B5EF4-FFF2-40B4-BE49-F238E27FC236}">
+                <a16:creationId xmlns:a16="http://schemas.microsoft.com/office/drawing/2014/main" id="{55222F96-971A-4F90-B841-6BAB416C7AC1}"/>
+              </a:ext>
+              <a:ext uri="{C183D7F6-B498-43B3-948B-1728B52AA6E4}">
+                <adec:decorative xmlns:adec="http://schemas.microsoft.com/office/drawing/2017/decorative" val="1"/>
+              </a:ext>
+            </a:extLst>
+          </p:cNvPr>
+          <p:cNvSpPr>
+            <a:spLocks noGrp="1" noRot="1" noChangeAspect="1" noMove="1" noResize="1" noEditPoints="1" noAdjustHandles="1" noChangeArrowheads="1" noChangeShapeType="1" noTextEdit="1"/>
+          </p:cNvSpPr>
+          <p:nvPr>
+            <p:extLst>
+              <p:ext uri="{386F3935-93C4-4BCD-93E2-E3B085C9AB24}">
+                <p16:designElem xmlns:p16="http://schemas.microsoft.com/office/powerpoint/2015/main" val="1"/>
+              </p:ext>
+            </p:extLst>
+          </p:nvPr>
+        </p:nvSpPr>
+        <p:spPr>
+          <a:xfrm rot="5400000">
+            <a:off x="-225843" y="6053360"/>
+            <a:ext cx="740664" cy="154124"/>
+          </a:xfrm>
+          <a:prstGeom prst="rect">
+            <a:avLst/>
+          </a:prstGeom>
+          <a:solidFill>
+            <a:schemeClr val="accent4"/>
+          </a:solidFill>
+          <a:ln>
+            <a:noFill/>
+          </a:ln>
+        </p:spPr>
+        <p:style>
+          <a:lnRef idx="2">
+            <a:schemeClr val="accent1">
+              <a:shade val="50000"/>
+            </a:schemeClr>
+          </a:lnRef>
+          <a:fillRef idx="1">
+            <a:schemeClr val="accent1"/>
+          </a:fillRef>
+          <a:effectRef idx="0">
+            <a:schemeClr val="accent1"/>
+          </a:effectRef>
+          <a:fontRef idx="minor">
+            <a:schemeClr val="lt1"/>
+          </a:fontRef>
+        </p:style>
+        <p:txBody>
+          <a:bodyPr rtlCol="0" anchor="ctr"/>
+          <a:lstStyle/>
+          <a:p>
+            <a:pPr algn="ctr"/>
+            <a:endParaRPr lang="en-US"/>
+          </a:p>
+        </p:txBody>
+      </p:sp>
+      <p:sp>
+        <p:nvSpPr>
+          <p:cNvPr id="16" name="Rectangle 15">
+            <a:extLst>
+              <a:ext uri="{FF2B5EF4-FFF2-40B4-BE49-F238E27FC236}">
+                <a16:creationId xmlns:a16="http://schemas.microsoft.com/office/drawing/2014/main" id="{08980754-6F4B-43C9-B9BE-127B6BED6586}"/>
+              </a:ext>
+              <a:ext uri="{C183D7F6-B498-43B3-948B-1728B52AA6E4}">
+                <adec:decorative xmlns:adec="http://schemas.microsoft.com/office/drawing/2017/decorative" val="1"/>
+              </a:ext>
+            </a:extLst>
+          </p:cNvPr>
+          <p:cNvSpPr>
+            <a:spLocks noGrp="1" noRot="1" noChangeAspect="1" noMove="1" noResize="1" noEditPoints="1" noAdjustHandles="1" noChangeArrowheads="1" noChangeShapeType="1" noTextEdit="1"/>
+          </p:cNvSpPr>
+          <p:nvPr>
+            <p:extLst>
+              <p:ext uri="{386F3935-93C4-4BCD-93E2-E3B085C9AB24}">
+                <p16:designElem xmlns:p16="http://schemas.microsoft.com/office/powerpoint/2015/main" val="1"/>
+              </p:ext>
+            </p:extLst>
+          </p:nvPr>
+        </p:nvSpPr>
+        <p:spPr>
+          <a:xfrm rot="5400000">
+            <a:off x="5904923" y="215201"/>
+            <a:ext cx="740664" cy="11833491"/>
+          </a:xfrm>
+          <a:prstGeom prst="rect">
+            <a:avLst/>
+          </a:prstGeom>
+          <a:solidFill>
+            <a:schemeClr val="accent4"/>
+          </a:solidFill>
+          <a:ln>
+            <a:noFill/>
+          </a:ln>
+        </p:spPr>
+        <p:style>
+          <a:lnRef idx="2">
+            <a:schemeClr val="accent1">
+              <a:shade val="50000"/>
+            </a:schemeClr>
+          </a:lnRef>
+          <a:fillRef idx="1">
+            <a:schemeClr val="accent1"/>
+          </a:fillRef>
+          <a:effectRef idx="0">
+            <a:schemeClr val="accent1"/>
+          </a:effectRef>
+          <a:fontRef idx="minor">
+            <a:schemeClr val="lt1"/>
+          </a:fontRef>
+        </p:style>
+        <p:txBody>
+          <a:bodyPr rtlCol="0" anchor="ctr"/>
+          <a:lstStyle/>
+          <a:p>
+            <a:pPr algn="ctr"/>
+            <a:endParaRPr lang="en-US"/>
+          </a:p>
+        </p:txBody>
+      </p:sp>
+      <p:sp>
+        <p:nvSpPr>
+          <p:cNvPr id="18" name="Rectangle 17">
+            <a:extLst>
+              <a:ext uri="{FF2B5EF4-FFF2-40B4-BE49-F238E27FC236}">
+                <a16:creationId xmlns:a16="http://schemas.microsoft.com/office/drawing/2014/main" id="{2C1BBA94-3F40-40AA-8BB9-E69E25E537C1}"/>
+              </a:ext>
+              <a:ext uri="{C183D7F6-B498-43B3-948B-1728B52AA6E4}">
+                <adec:decorative xmlns:adec="http://schemas.microsoft.com/office/drawing/2017/decorative" val="1"/>
+              </a:ext>
+            </a:extLst>
+          </p:cNvPr>
+          <p:cNvSpPr>
+            <a:spLocks noGrp="1" noRot="1" noChangeAspect="1" noMove="1" noResize="1" noEditPoints="1" noAdjustHandles="1" noChangeArrowheads="1" noChangeShapeType="1" noTextEdit="1"/>
+          </p:cNvSpPr>
+          <p:nvPr>
+            <p:extLst>
+              <p:ext uri="{386F3935-93C4-4BCD-93E2-E3B085C9AB24}">
+                <p16:designElem xmlns:p16="http://schemas.microsoft.com/office/powerpoint/2015/main" val="1"/>
+              </p:ext>
+            </p:extLst>
+          </p:nvPr>
+        </p:nvSpPr>
+        <p:spPr>
+          <a:xfrm>
+            <a:off x="5696793" y="354959"/>
+            <a:ext cx="6184973" cy="5915212"/>
+          </a:xfrm>
+          <a:prstGeom prst="rect">
+            <a:avLst/>
+          </a:prstGeom>
+          <a:solidFill>
+            <a:schemeClr val="bg1"/>
+          </a:solidFill>
+          <a:ln>
+            <a:noFill/>
+          </a:ln>
+          <a:effectLst>
+            <a:outerShdw blurRad="139700" dist="127000" dir="5400000" algn="t" rotWithShape="0">
+              <a:prstClr val="black">
+                <a:alpha val="15000"/>
+              </a:prstClr>
+            </a:outerShdw>
+          </a:effectLst>
+        </p:spPr>
+        <p:style>
+          <a:lnRef idx="2">
+            <a:schemeClr val="accent1">
+              <a:shade val="50000"/>
+            </a:schemeClr>
+          </a:lnRef>
+          <a:fillRef idx="1">
+            <a:schemeClr val="accent1"/>
+          </a:fillRef>
+          <a:effectRef idx="0">
+            <a:schemeClr val="accent1"/>
+          </a:effectRef>
+          <a:fontRef idx="minor">
+            <a:schemeClr val="lt1"/>
+          </a:fontRef>
+        </p:style>
+        <p:txBody>
+          <a:bodyPr rtlCol="0" anchor="ctr"/>
+          <a:lstStyle/>
+          <a:p>
+            <a:pPr algn="ctr"/>
+            <a:endParaRPr lang="en-US"/>
+          </a:p>
+        </p:txBody>
+      </p:sp>
+      <p:pic>
+        <p:nvPicPr>
+          <p:cNvPr id="5" name="Picture 4" descr="A picture containing text, screenshot, diagram, line&#10;&#10;Description automatically generated">
+            <a:extLst>
+              <a:ext uri="{FF2B5EF4-FFF2-40B4-BE49-F238E27FC236}">
+                <a16:creationId xmlns:a16="http://schemas.microsoft.com/office/drawing/2014/main" id="{B859A39F-6357-DFB5-3B5A-03B16F0FF151}"/>
+              </a:ext>
+            </a:extLst>
+          </p:cNvPr>
+          <p:cNvPicPr>
+            <a:picLocks noChangeAspect="1"/>
+          </p:cNvPicPr>
+          <p:nvPr/>
+        </p:nvPicPr>
+        <p:blipFill>
+          <a:blip r:embed="rId2">
+            <a:extLst>
+              <a:ext uri="{28A0092B-C50C-407E-A947-70E740481C1C}">
+                <a14:useLocalDpi xmlns:a14="http://schemas.microsoft.com/office/drawing/2010/main" val="0"/>
+              </a:ext>
+            </a:extLst>
+          </a:blip>
+          <a:stretch>
+            <a:fillRect/>
+          </a:stretch>
+        </p:blipFill>
+        <p:spPr>
+          <a:xfrm>
+            <a:off x="5999567" y="650494"/>
+            <a:ext cx="5604359" cy="5324142"/>
+          </a:xfrm>
+          <a:prstGeom prst="rect">
+            <a:avLst/>
+          </a:prstGeom>
+        </p:spPr>
+      </p:pic>
+    </p:spTree>
+    <p:extLst>
+      <p:ext uri="{BB962C8B-B14F-4D97-AF65-F5344CB8AC3E}">
+        <p14:creationId xmlns:p14="http://schemas.microsoft.com/office/powerpoint/2010/main" val="3916543958"/>
+      </p:ext>
+    </p:extLst>
+  </p:cSld>
+  <p:clrMapOvr>
+    <a:masterClrMapping/>
+  </p:clrMapOvr>
+</p:sld>
+</file>
+
+<file path=ppt/slides/slide13.xml><?xml version="1.0" encoding="utf-8"?>
+<p:sld xmlns:a="http://schemas.openxmlformats.org/drawingml/2006/main" xmlns:r="http://schemas.openxmlformats.org/officeDocument/2006/relationships" xmlns:p="http://schemas.openxmlformats.org/presentationml/2006/main">
+  <p:cSld>
+    <p:bg>
+      <p:bgPr>
+        <a:solidFill>
+          <a:schemeClr val="bg1"/>
+        </a:solidFill>
+        <a:effectLst/>
+      </p:bgPr>
+    </p:bg>
+    <p:spTree>
+      <p:nvGrpSpPr>
+        <p:cNvPr id="1" name=""/>
+        <p:cNvGrpSpPr/>
+        <p:nvPr/>
+      </p:nvGrpSpPr>
+      <p:grpSpPr>
+        <a:xfrm>
+          <a:off x="0" y="0"/>
+          <a:ext cx="0" cy="0"/>
+          <a:chOff x="0" y="0"/>
+          <a:chExt cx="0" cy="0"/>
+        </a:xfrm>
+      </p:grpSpPr>
+      <p:sp useBgFill="1">
+        <p:nvSpPr>
+          <p:cNvPr id="7" name="Rectangle 9">
+            <a:extLst>
+              <a:ext uri="{FF2B5EF4-FFF2-40B4-BE49-F238E27FC236}">
+                <a16:creationId xmlns:a16="http://schemas.microsoft.com/office/drawing/2014/main" id="{32AEEBC8-9D30-42EF-95F2-386C2653FBF0}"/>
+              </a:ext>
+              <a:ext uri="{C183D7F6-B498-43B3-948B-1728B52AA6E4}">
+                <adec:decorative xmlns:adec="http://schemas.microsoft.com/office/drawing/2017/decorative" val="1"/>
+              </a:ext>
+            </a:extLst>
+          </p:cNvPr>
+          <p:cNvSpPr>
+            <a:spLocks noGrp="1" noRot="1" noChangeAspect="1" noMove="1" noResize="1" noEditPoints="1" noAdjustHandles="1" noChangeArrowheads="1" noChangeShapeType="1" noTextEdit="1"/>
+          </p:cNvSpPr>
+          <p:nvPr>
+            <p:extLst>
+              <p:ext uri="{386F3935-93C4-4BCD-93E2-E3B085C9AB24}">
+                <p16:designElem xmlns:p16="http://schemas.microsoft.com/office/powerpoint/2015/main" val="1"/>
+              </p:ext>
+            </p:extLst>
+          </p:nvPr>
+        </p:nvSpPr>
+        <p:spPr>
+          <a:xfrm>
+            <a:off x="0" y="0"/>
+            <a:ext cx="12192000" cy="6858000"/>
+          </a:xfrm>
+          <a:prstGeom prst="rect">
+            <a:avLst/>
+          </a:prstGeom>
+          <a:ln>
+            <a:noFill/>
+          </a:ln>
+        </p:spPr>
+        <p:style>
+          <a:lnRef idx="2">
+            <a:schemeClr val="accent1">
+              <a:shade val="50000"/>
+            </a:schemeClr>
+          </a:lnRef>
+          <a:fillRef idx="1">
+            <a:schemeClr val="accent1"/>
+          </a:fillRef>
+          <a:effectRef idx="0">
+            <a:schemeClr val="accent1"/>
+          </a:effectRef>
+          <a:fontRef idx="minor">
+            <a:schemeClr val="lt1"/>
+          </a:fontRef>
+        </p:style>
+        <p:txBody>
+          <a:bodyPr rtlCol="0" anchor="ctr"/>
+          <a:lstStyle/>
+          <a:p>
+            <a:pPr algn="ctr"/>
+            <a:endParaRPr lang="en-US"/>
+          </a:p>
+        </p:txBody>
+      </p:sp>
+      <p:sp>
+        <p:nvSpPr>
+          <p:cNvPr id="2" name="Title 1">
+            <a:extLst>
+              <a:ext uri="{FF2B5EF4-FFF2-40B4-BE49-F238E27FC236}">
+                <a16:creationId xmlns:a16="http://schemas.microsoft.com/office/drawing/2014/main" id="{C9D54F6A-BF78-E638-05C9-6FA74DAD278A}"/>
+              </a:ext>
+            </a:extLst>
+          </p:cNvPr>
+          <p:cNvSpPr>
+            <a:spLocks noGrp="1"/>
+          </p:cNvSpPr>
+          <p:nvPr>
+            <p:ph type="title"/>
+          </p:nvPr>
+        </p:nvSpPr>
+        <p:spPr>
+          <a:xfrm>
+            <a:off x="630936" y="502920"/>
+            <a:ext cx="3419856" cy="1463040"/>
+          </a:xfrm>
+        </p:spPr>
+        <p:txBody>
+          <a:bodyPr anchor="ctr">
+            <a:normAutofit/>
+          </a:bodyPr>
+          <a:lstStyle/>
+          <a:p>
+            <a:r>
+              <a:rPr lang="nl-NL" sz="3700"/>
+              <a:t>Revised planning 17-05-2023</a:t>
+            </a:r>
+            <a:endParaRPr lang="en-GB" sz="3700"/>
+          </a:p>
+        </p:txBody>
+      </p:sp>
+      <p:sp>
+        <p:nvSpPr>
+          <p:cNvPr id="12" name="sketch line">
+            <a:extLst>
+              <a:ext uri="{FF2B5EF4-FFF2-40B4-BE49-F238E27FC236}">
+                <a16:creationId xmlns:a16="http://schemas.microsoft.com/office/drawing/2014/main" id="{2E92FA66-67D7-4CB4-94D3-E643A9AD4757}"/>
+              </a:ext>
+              <a:ext uri="{C183D7F6-B498-43B3-948B-1728B52AA6E4}">
+                <adec:decorative xmlns:adec="http://schemas.microsoft.com/office/drawing/2017/decorative" val="1"/>
+              </a:ext>
+            </a:extLst>
+          </p:cNvPr>
+          <p:cNvSpPr>
+            <a:spLocks noGrp="1" noRot="1" noChangeAspect="1" noMove="1" noResize="1" noEditPoints="1" noAdjustHandles="1" noChangeArrowheads="1" noChangeShapeType="1" noTextEdit="1"/>
+          </p:cNvSpPr>
+          <p:nvPr>
+            <p:extLst>
+              <p:ext uri="{386F3935-93C4-4BCD-93E2-E3B085C9AB24}">
+                <p16:designElem xmlns:p16="http://schemas.microsoft.com/office/powerpoint/2015/main" val="1"/>
+              </p:ext>
+            </p:extLst>
+          </p:nvPr>
+        </p:nvSpPr>
+        <p:spPr>
+          <a:xfrm rot="5400000">
+            <a:off x="3566159" y="1225296"/>
+            <a:ext cx="1554480" cy="18288"/>
+          </a:xfrm>
+          <a:custGeom>
+            <a:avLst/>
+            <a:gdLst>
+              <a:gd name="connsiteX0" fmla="*/ 0 w 1554480"/>
+              <a:gd name="connsiteY0" fmla="*/ 0 h 18288"/>
+              <a:gd name="connsiteX1" fmla="*/ 549250 w 1554480"/>
+              <a:gd name="connsiteY1" fmla="*/ 0 h 18288"/>
+              <a:gd name="connsiteX2" fmla="*/ 1082954 w 1554480"/>
+              <a:gd name="connsiteY2" fmla="*/ 0 h 18288"/>
+              <a:gd name="connsiteX3" fmla="*/ 1554480 w 1554480"/>
+              <a:gd name="connsiteY3" fmla="*/ 0 h 18288"/>
+              <a:gd name="connsiteX4" fmla="*/ 1554480 w 1554480"/>
+              <a:gd name="connsiteY4" fmla="*/ 18288 h 18288"/>
+              <a:gd name="connsiteX5" fmla="*/ 1067410 w 1554480"/>
+              <a:gd name="connsiteY5" fmla="*/ 18288 h 18288"/>
+              <a:gd name="connsiteX6" fmla="*/ 549250 w 1554480"/>
+              <a:gd name="connsiteY6" fmla="*/ 18288 h 18288"/>
+              <a:gd name="connsiteX7" fmla="*/ 0 w 1554480"/>
+              <a:gd name="connsiteY7" fmla="*/ 18288 h 18288"/>
+              <a:gd name="connsiteX8" fmla="*/ 0 w 1554480"/>
+              <a:gd name="connsiteY8" fmla="*/ 0 h 18288"/>
+            </a:gdLst>
+            <a:ahLst/>
+            <a:cxnLst>
+              <a:cxn ang="0">
+                <a:pos x="connsiteX0" y="connsiteY0"/>
+              </a:cxn>
+              <a:cxn ang="0">
+                <a:pos x="connsiteX1" y="connsiteY1"/>
+              </a:cxn>
+              <a:cxn ang="0">
+                <a:pos x="connsiteX2" y="connsiteY2"/>
+              </a:cxn>
+              <a:cxn ang="0">
+                <a:pos x="connsiteX3" y="connsiteY3"/>
+              </a:cxn>
+              <a:cxn ang="0">
+                <a:pos x="connsiteX4" y="connsiteY4"/>
+              </a:cxn>
+              <a:cxn ang="0">
+                <a:pos x="connsiteX5" y="connsiteY5"/>
+              </a:cxn>
+              <a:cxn ang="0">
+                <a:pos x="connsiteX6" y="connsiteY6"/>
+              </a:cxn>
+              <a:cxn ang="0">
+                <a:pos x="connsiteX7" y="connsiteY7"/>
+              </a:cxn>
+              <a:cxn ang="0">
+                <a:pos x="connsiteX8" y="connsiteY8"/>
+              </a:cxn>
+            </a:cxnLst>
+            <a:rect l="l" t="t" r="r" b="b"/>
+            <a:pathLst>
+              <a:path w="1554480" h="18288" fill="none" extrusionOk="0">
+                <a:moveTo>
+                  <a:pt x="0" y="0"/>
+                </a:moveTo>
+                <a:cubicBezTo>
+                  <a:pt x="114141" y="-19864"/>
+                  <a:pt x="345055" y="-1657"/>
+                  <a:pt x="549250" y="0"/>
+                </a:cubicBezTo>
+                <a:cubicBezTo>
+                  <a:pt x="753445" y="1657"/>
+                  <a:pt x="862292" y="-5674"/>
+                  <a:pt x="1082954" y="0"/>
+                </a:cubicBezTo>
+                <a:cubicBezTo>
+                  <a:pt x="1303616" y="5674"/>
+                  <a:pt x="1363530" y="4537"/>
+                  <a:pt x="1554480" y="0"/>
+                </a:cubicBezTo>
+                <a:cubicBezTo>
+                  <a:pt x="1554963" y="7176"/>
+                  <a:pt x="1553909" y="13682"/>
+                  <a:pt x="1554480" y="18288"/>
+                </a:cubicBezTo>
+                <a:cubicBezTo>
+                  <a:pt x="1338847" y="6127"/>
+                  <a:pt x="1215066" y="37851"/>
+                  <a:pt x="1067410" y="18288"/>
+                </a:cubicBezTo>
+                <a:cubicBezTo>
+                  <a:pt x="919754" y="-1275"/>
+                  <a:pt x="800465" y="3080"/>
+                  <a:pt x="549250" y="18288"/>
+                </a:cubicBezTo>
+                <a:cubicBezTo>
+                  <a:pt x="298035" y="33496"/>
+                  <a:pt x="158868" y="22769"/>
+                  <a:pt x="0" y="18288"/>
+                </a:cubicBezTo>
+                <a:cubicBezTo>
+                  <a:pt x="-655" y="13237"/>
+                  <a:pt x="709" y="4645"/>
+                  <a:pt x="0" y="0"/>
+                </a:cubicBezTo>
+                <a:close/>
+              </a:path>
+              <a:path w="1554480" h="18288" stroke="0" extrusionOk="0">
+                <a:moveTo>
+                  <a:pt x="0" y="0"/>
+                </a:moveTo>
+                <a:cubicBezTo>
+                  <a:pt x="249941" y="-58"/>
+                  <a:pt x="367334" y="23448"/>
+                  <a:pt x="502615" y="0"/>
+                </a:cubicBezTo>
+                <a:cubicBezTo>
+                  <a:pt x="637897" y="-23448"/>
+                  <a:pt x="813653" y="-20418"/>
+                  <a:pt x="974141" y="0"/>
+                </a:cubicBezTo>
+                <a:cubicBezTo>
+                  <a:pt x="1134629" y="20418"/>
+                  <a:pt x="1268772" y="6288"/>
+                  <a:pt x="1554480" y="0"/>
+                </a:cubicBezTo>
+                <a:cubicBezTo>
+                  <a:pt x="1554917" y="7222"/>
+                  <a:pt x="1555359" y="13299"/>
+                  <a:pt x="1554480" y="18288"/>
+                </a:cubicBezTo>
+                <a:cubicBezTo>
+                  <a:pt x="1336087" y="12172"/>
+                  <a:pt x="1310024" y="19759"/>
+                  <a:pt x="1067410" y="18288"/>
+                </a:cubicBezTo>
+                <a:cubicBezTo>
+                  <a:pt x="824796" y="16818"/>
+                  <a:pt x="787902" y="34647"/>
+                  <a:pt x="518160" y="18288"/>
+                </a:cubicBezTo>
+                <a:cubicBezTo>
+                  <a:pt x="248418" y="1930"/>
+                  <a:pt x="133160" y="9205"/>
+                  <a:pt x="0" y="18288"/>
+                </a:cubicBezTo>
+                <a:cubicBezTo>
+                  <a:pt x="-643" y="9451"/>
+                  <a:pt x="-340" y="7114"/>
+                  <a:pt x="0" y="0"/>
+                </a:cubicBezTo>
+                <a:close/>
+              </a:path>
+            </a:pathLst>
+          </a:custGeom>
+          <a:solidFill>
+            <a:schemeClr val="accent2"/>
+          </a:solidFill>
+          <a:ln w="41275" cap="rnd">
+            <a:solidFill>
+              <a:schemeClr val="accent2"/>
+            </a:solidFill>
+            <a:round/>
+            <a:extLst>
+              <a:ext uri="{C807C97D-BFC1-408E-A445-0C87EB9F89A2}">
+                <ask:lineSketchStyleProps xmlns:ask="http://schemas.microsoft.com/office/drawing/2018/sketchyshapes" sd="1219033472">
+                  <a:prstGeom prst="rect">
+                    <a:avLst/>
+                  </a:prstGeom>
+                  <ask:type>
+                    <ask:lineSketchFreehand/>
+                  </ask:type>
+                </ask:lineSketchStyleProps>
+              </a:ext>
+            </a:extLst>
+          </a:ln>
+        </p:spPr>
+        <p:style>
+          <a:lnRef idx="2">
+            <a:schemeClr val="accent1">
+              <a:shade val="50000"/>
+            </a:schemeClr>
+          </a:lnRef>
+          <a:fillRef idx="1">
+            <a:schemeClr val="accent1"/>
+          </a:fillRef>
+          <a:effectRef idx="0">
+            <a:schemeClr val="accent1"/>
+          </a:effectRef>
+          <a:fontRef idx="minor">
+            <a:schemeClr val="lt1"/>
+          </a:fontRef>
+        </p:style>
+        <p:txBody>
+          <a:bodyPr rtlCol="0" anchor="ctr"/>
+          <a:lstStyle/>
+          <a:p>
+            <a:pPr algn="ctr"/>
+            <a:endParaRPr lang="en-US"/>
+          </a:p>
+        </p:txBody>
+      </p:sp>
+      <p:sp>
+        <p:nvSpPr>
+          <p:cNvPr id="3" name="Content Placeholder 2">
+            <a:extLst>
+              <a:ext uri="{FF2B5EF4-FFF2-40B4-BE49-F238E27FC236}">
+                <a16:creationId xmlns:a16="http://schemas.microsoft.com/office/drawing/2014/main" id="{746DA8B4-8476-BBD0-1F1A-73D1D6D9E59D}"/>
+              </a:ext>
+            </a:extLst>
+          </p:cNvPr>
+          <p:cNvSpPr>
+            <a:spLocks noGrp="1"/>
+          </p:cNvSpPr>
+          <p:nvPr>
+            <p:ph idx="1"/>
+          </p:nvPr>
+        </p:nvSpPr>
+        <p:spPr>
+          <a:xfrm>
+            <a:off x="4654295" y="502920"/>
+            <a:ext cx="6894576" cy="1463040"/>
+          </a:xfrm>
+        </p:spPr>
+        <p:txBody>
+          <a:bodyPr anchor="ctr">
+            <a:normAutofit/>
+          </a:bodyPr>
+          <a:lstStyle/>
+          <a:p>
+            <a:endParaRPr lang="en-GB" sz="2200"/>
+          </a:p>
+        </p:txBody>
+      </p:sp>
+      <p:pic>
+        <p:nvPicPr>
+          <p:cNvPr id="5" name="Picture 4">
+            <a:extLst>
+              <a:ext uri="{FF2B5EF4-FFF2-40B4-BE49-F238E27FC236}">
+                <a16:creationId xmlns:a16="http://schemas.microsoft.com/office/drawing/2014/main" id="{56DD5B4B-91B3-3D50-F6E3-ECFA1A7EC10F}"/>
+              </a:ext>
+            </a:extLst>
+          </p:cNvPr>
+          <p:cNvPicPr>
+            <a:picLocks noChangeAspect="1"/>
+          </p:cNvPicPr>
+          <p:nvPr/>
+        </p:nvPicPr>
+        <p:blipFill>
+          <a:blip r:embed="rId2"/>
+          <a:stretch>
+            <a:fillRect/>
+          </a:stretch>
+        </p:blipFill>
+        <p:spPr>
+          <a:xfrm>
+            <a:off x="845730" y="2290936"/>
+            <a:ext cx="10488348" cy="3959352"/>
+          </a:xfrm>
+          <a:prstGeom prst="rect">
+            <a:avLst/>
+          </a:prstGeom>
+        </p:spPr>
+      </p:pic>
+    </p:spTree>
+    <p:extLst>
+      <p:ext uri="{BB962C8B-B14F-4D97-AF65-F5344CB8AC3E}">
+        <p14:creationId xmlns:p14="http://schemas.microsoft.com/office/powerpoint/2010/main" val="3648482641"/>
+      </p:ext>
+    </p:extLst>
+  </p:cSld>
+  <p:clrMapOvr>
+    <a:masterClrMapping/>
+  </p:clrMapOvr>
+</p:sld>
+</file>
+
 <file path=ppt/slides/slide2.xml><?xml version="1.0" encoding="utf-8"?>
 <p:sld xmlns:a="http://schemas.openxmlformats.org/drawingml/2006/main" xmlns:r="http://schemas.openxmlformats.org/officeDocument/2006/relationships" xmlns:p="http://schemas.openxmlformats.org/presentationml/2006/main">
   <p:cSld>
